--- a/figures/LoRA-ViT.pptx
+++ b/figures/LoRA-ViT.pptx
@@ -3342,7 +3342,7 @@
         </p:blipFill>
         <p:spPr>
           <a:xfrm>
-            <a:off x="225971" y="2419177"/>
+            <a:off x="268010" y="3081325"/>
             <a:ext cx="453651" cy="455489"/>
           </a:xfrm>
           <a:prstGeom prst="rect">
@@ -3371,7 +3371,7 @@
         </p:blipFill>
         <p:spPr>
           <a:xfrm>
-            <a:off x="729048" y="2419175"/>
+            <a:off x="771087" y="3081323"/>
             <a:ext cx="453652" cy="455489"/>
           </a:xfrm>
           <a:prstGeom prst="rect">
@@ -3400,7 +3400,7 @@
         </p:blipFill>
         <p:spPr>
           <a:xfrm>
-            <a:off x="1232123" y="2419175"/>
+            <a:off x="1274162" y="3081323"/>
             <a:ext cx="453653" cy="455489"/>
           </a:xfrm>
           <a:prstGeom prst="rect">
@@ -3429,7 +3429,7 @@
         </p:blipFill>
         <p:spPr>
           <a:xfrm>
-            <a:off x="225971" y="2924089"/>
+            <a:off x="268010" y="3586237"/>
             <a:ext cx="453652" cy="455489"/>
           </a:xfrm>
           <a:prstGeom prst="rect">
@@ -3458,7 +3458,7 @@
         </p:blipFill>
         <p:spPr>
           <a:xfrm>
-            <a:off x="729048" y="2924087"/>
+            <a:off x="771087" y="3586235"/>
             <a:ext cx="453651" cy="455489"/>
           </a:xfrm>
           <a:prstGeom prst="rect">
@@ -3487,7 +3487,7 @@
         </p:blipFill>
         <p:spPr>
           <a:xfrm>
-            <a:off x="1232121" y="2924087"/>
+            <a:off x="1274160" y="3586235"/>
             <a:ext cx="453653" cy="455489"/>
           </a:xfrm>
           <a:prstGeom prst="rect">
@@ -3516,7 +3516,7 @@
         </p:blipFill>
         <p:spPr>
           <a:xfrm>
-            <a:off x="1232120" y="3429000"/>
+            <a:off x="1274159" y="4091148"/>
             <a:ext cx="453653" cy="455490"/>
           </a:xfrm>
           <a:prstGeom prst="rect">
@@ -3545,7 +3545,7 @@
         </p:blipFill>
         <p:spPr>
           <a:xfrm>
-            <a:off x="729047" y="3429000"/>
+            <a:off x="771086" y="4091148"/>
             <a:ext cx="453651" cy="455489"/>
           </a:xfrm>
           <a:prstGeom prst="rect">
@@ -3574,7 +3574,7 @@
         </p:blipFill>
         <p:spPr>
           <a:xfrm>
-            <a:off x="225970" y="3429001"/>
+            <a:off x="268009" y="4091149"/>
             <a:ext cx="453651" cy="455489"/>
           </a:xfrm>
           <a:prstGeom prst="rect">
@@ -3596,7 +3596,7 @@
         </p:nvSpPr>
         <p:spPr>
           <a:xfrm rot="5400000">
-            <a:off x="1943238" y="2894998"/>
+            <a:off x="1985277" y="3557146"/>
             <a:ext cx="180031" cy="494271"/>
           </a:xfrm>
           <a:prstGeom prst="upArrow">
@@ -3642,10 +3642,10 @@
         </p:nvGrpSpPr>
         <p:grpSpPr>
           <a:xfrm>
-            <a:off x="2366319" y="67378"/>
-            <a:ext cx="1584583" cy="6745905"/>
-            <a:chOff x="2366319" y="67378"/>
-            <a:chExt cx="1584583" cy="6745905"/>
+            <a:off x="2408358" y="729527"/>
+            <a:ext cx="1584583" cy="5828928"/>
+            <a:chOff x="2366319" y="67379"/>
+            <a:chExt cx="1584583" cy="5828928"/>
           </a:xfrm>
         </p:grpSpPr>
         <p:sp>
@@ -3662,8 +3662,8 @@
           </p:nvSpPr>
           <p:spPr>
             <a:xfrm>
-              <a:off x="2366319" y="803190"/>
-              <a:ext cx="1584583" cy="4677461"/>
+              <a:off x="2366319" y="471640"/>
+              <a:ext cx="1584583" cy="5313662"/>
             </a:xfrm>
             <a:prstGeom prst="bracePair">
               <a:avLst/>
@@ -3706,8 +3706,8 @@
           </p:nvSpPr>
           <p:spPr>
             <a:xfrm>
-              <a:off x="3497251" y="67378"/>
-              <a:ext cx="453651" cy="6745905"/>
+              <a:off x="3497251" y="67379"/>
+              <a:ext cx="453651" cy="5828928"/>
             </a:xfrm>
             <a:prstGeom prst="rect">
               <a:avLst/>
@@ -3768,7 +3768,7 @@
         </p:blipFill>
         <p:spPr>
           <a:xfrm>
-            <a:off x="2763222" y="891059"/>
+            <a:off x="2710671" y="1553207"/>
             <a:ext cx="453651" cy="455489"/>
           </a:xfrm>
           <a:prstGeom prst="rect">
@@ -3797,7 +3797,7 @@
         </p:blipFill>
         <p:spPr>
           <a:xfrm>
-            <a:off x="2763222" y="2405795"/>
+            <a:off x="2710671" y="3067943"/>
             <a:ext cx="453652" cy="455489"/>
           </a:xfrm>
           <a:prstGeom prst="rect">
@@ -3826,7 +3826,7 @@
         </p:blipFill>
         <p:spPr>
           <a:xfrm>
-            <a:off x="2765954" y="3940055"/>
+            <a:off x="2713403" y="4602203"/>
             <a:ext cx="453653" cy="455489"/>
           </a:xfrm>
           <a:prstGeom prst="rect">
@@ -3855,7 +3855,7 @@
         </p:blipFill>
         <p:spPr>
           <a:xfrm>
-            <a:off x="2763222" y="1395971"/>
+            <a:off x="2710671" y="2058119"/>
             <a:ext cx="453652" cy="455489"/>
           </a:xfrm>
           <a:prstGeom prst="rect">
@@ -3884,7 +3884,7 @@
         </p:blipFill>
         <p:spPr>
           <a:xfrm>
-            <a:off x="2763222" y="2910707"/>
+            <a:off x="2710671" y="3572855"/>
             <a:ext cx="453651" cy="455489"/>
           </a:xfrm>
           <a:prstGeom prst="rect">
@@ -3913,7 +3913,7 @@
         </p:blipFill>
         <p:spPr>
           <a:xfrm>
-            <a:off x="2765952" y="4444967"/>
+            <a:off x="2713401" y="5107115"/>
             <a:ext cx="453653" cy="455489"/>
           </a:xfrm>
           <a:prstGeom prst="rect">
@@ -3942,7 +3942,7 @@
         </p:blipFill>
         <p:spPr>
           <a:xfrm>
-            <a:off x="2765951" y="4949880"/>
+            <a:off x="2713400" y="5612028"/>
             <a:ext cx="453653" cy="455490"/>
           </a:xfrm>
           <a:prstGeom prst="rect">
@@ -3971,7 +3971,7 @@
         </p:blipFill>
         <p:spPr>
           <a:xfrm>
-            <a:off x="2763221" y="3415620"/>
+            <a:off x="2710670" y="4077768"/>
             <a:ext cx="453651" cy="455489"/>
           </a:xfrm>
           <a:prstGeom prst="rect">
@@ -4000,7 +4000,7 @@
         </p:blipFill>
         <p:spPr>
           <a:xfrm>
-            <a:off x="2763221" y="1900883"/>
+            <a:off x="2710670" y="2563031"/>
             <a:ext cx="453651" cy="455489"/>
           </a:xfrm>
           <a:prstGeom prst="rect">
@@ -4024,7 +4024,7 @@
         </p:nvCxnSpPr>
         <p:spPr>
           <a:xfrm>
-            <a:off x="3210501" y="1118804"/>
+            <a:off x="3157950" y="1780952"/>
             <a:ext cx="280378" cy="0"/>
           </a:xfrm>
           <a:prstGeom prst="line">
@@ -4062,7 +4062,7 @@
         </p:nvCxnSpPr>
         <p:spPr>
           <a:xfrm>
-            <a:off x="3210501" y="1630129"/>
+            <a:off x="3157950" y="2292277"/>
             <a:ext cx="286750" cy="0"/>
           </a:xfrm>
           <a:prstGeom prst="line">
@@ -4098,7 +4098,7 @@
         </p:nvSpPr>
         <p:spPr>
           <a:xfrm>
-            <a:off x="3497251" y="803190"/>
+            <a:off x="3444700" y="1465338"/>
             <a:ext cx="539581" cy="4677461"/>
           </a:xfrm>
           <a:prstGeom prst="roundRect">
@@ -4146,7 +4146,7 @@
         </p:nvCxnSpPr>
         <p:spPr>
           <a:xfrm>
-            <a:off x="3216872" y="2131321"/>
+            <a:off x="3164321" y="2793469"/>
             <a:ext cx="286750" cy="0"/>
           </a:xfrm>
           <a:prstGeom prst="line">
@@ -4184,7 +4184,7 @@
         </p:nvCxnSpPr>
         <p:spPr>
           <a:xfrm>
-            <a:off x="3210501" y="2649795"/>
+            <a:off x="3157950" y="3311943"/>
             <a:ext cx="286750" cy="0"/>
           </a:xfrm>
           <a:prstGeom prst="line">
@@ -4222,7 +4222,7 @@
         </p:nvCxnSpPr>
         <p:spPr>
           <a:xfrm>
-            <a:off x="3204129" y="3139989"/>
+            <a:off x="3151578" y="3802137"/>
             <a:ext cx="286750" cy="0"/>
           </a:xfrm>
           <a:prstGeom prst="line">
@@ -4260,7 +4260,7 @@
         </p:nvCxnSpPr>
         <p:spPr>
           <a:xfrm>
-            <a:off x="3204129" y="3649036"/>
+            <a:off x="3151578" y="4311184"/>
             <a:ext cx="286750" cy="0"/>
           </a:xfrm>
           <a:prstGeom prst="line">
@@ -4298,7 +4298,7 @@
         </p:nvCxnSpPr>
         <p:spPr>
           <a:xfrm>
-            <a:off x="3204129" y="4148657"/>
+            <a:off x="3151578" y="4810805"/>
             <a:ext cx="286750" cy="0"/>
           </a:xfrm>
           <a:prstGeom prst="line">
@@ -4336,7 +4336,7 @@
         </p:nvCxnSpPr>
         <p:spPr>
           <a:xfrm>
-            <a:off x="3210501" y="4676558"/>
+            <a:off x="3157950" y="5338706"/>
             <a:ext cx="286750" cy="0"/>
           </a:xfrm>
           <a:prstGeom prst="line">
@@ -4374,7 +4374,7 @@
         </p:nvCxnSpPr>
         <p:spPr>
           <a:xfrm>
-            <a:off x="3210501" y="5185605"/>
+            <a:off x="3157950" y="5847753"/>
             <a:ext cx="286750" cy="0"/>
           </a:xfrm>
           <a:prstGeom prst="line">
@@ -4410,7 +4410,7 @@
         </p:nvSpPr>
         <p:spPr>
           <a:xfrm rot="5400000">
-            <a:off x="1580021" y="2962467"/>
+            <a:off x="1527470" y="3624615"/>
             <a:ext cx="4374018" cy="400110"/>
           </a:xfrm>
           <a:prstGeom prst="rect">
@@ -4520,7 +4520,7 @@
         </p:nvCxnSpPr>
         <p:spPr>
           <a:xfrm>
-            <a:off x="4036832" y="1118804"/>
+            <a:off x="3984281" y="1780952"/>
             <a:ext cx="280378" cy="0"/>
           </a:xfrm>
           <a:prstGeom prst="line">
@@ -4558,7 +4558,7 @@
         </p:nvCxnSpPr>
         <p:spPr>
           <a:xfrm>
-            <a:off x="4036832" y="1630129"/>
+            <a:off x="3984281" y="2292277"/>
             <a:ext cx="286750" cy="0"/>
           </a:xfrm>
           <a:prstGeom prst="line">
@@ -4596,7 +4596,7 @@
         </p:nvCxnSpPr>
         <p:spPr>
           <a:xfrm>
-            <a:off x="4043203" y="2131321"/>
+            <a:off x="3990652" y="2793469"/>
             <a:ext cx="286750" cy="0"/>
           </a:xfrm>
           <a:prstGeom prst="line">
@@ -4634,7 +4634,7 @@
         </p:nvCxnSpPr>
         <p:spPr>
           <a:xfrm>
-            <a:off x="4036832" y="2649795"/>
+            <a:off x="3984281" y="3311943"/>
             <a:ext cx="286750" cy="0"/>
           </a:xfrm>
           <a:prstGeom prst="line">
@@ -4672,7 +4672,7 @@
         </p:nvCxnSpPr>
         <p:spPr>
           <a:xfrm>
-            <a:off x="4030460" y="3139989"/>
+            <a:off x="3977909" y="3802137"/>
             <a:ext cx="286750" cy="0"/>
           </a:xfrm>
           <a:prstGeom prst="line">
@@ -4710,7 +4710,7 @@
         </p:nvCxnSpPr>
         <p:spPr>
           <a:xfrm>
-            <a:off x="4030460" y="3649036"/>
+            <a:off x="3977909" y="4311184"/>
             <a:ext cx="286750" cy="0"/>
           </a:xfrm>
           <a:prstGeom prst="line">
@@ -4748,7 +4748,7 @@
         </p:nvCxnSpPr>
         <p:spPr>
           <a:xfrm>
-            <a:off x="4030460" y="4148657"/>
+            <a:off x="3977909" y="4810805"/>
             <a:ext cx="286750" cy="0"/>
           </a:xfrm>
           <a:prstGeom prst="line">
@@ -4786,7 +4786,7 @@
         </p:nvCxnSpPr>
         <p:spPr>
           <a:xfrm>
-            <a:off x="4036832" y="4676558"/>
+            <a:off x="3984281" y="5338706"/>
             <a:ext cx="286750" cy="0"/>
           </a:xfrm>
           <a:prstGeom prst="line">
@@ -4824,7 +4824,7 @@
         </p:nvCxnSpPr>
         <p:spPr>
           <a:xfrm>
-            <a:off x="4036832" y="5185605"/>
+            <a:off x="3984281" y="5847753"/>
             <a:ext cx="286750" cy="0"/>
           </a:xfrm>
           <a:prstGeom prst="line">
@@ -4860,7 +4860,7 @@
         </p:nvSpPr>
         <p:spPr>
           <a:xfrm>
-            <a:off x="4322976" y="1007957"/>
+            <a:off x="4270425" y="1670105"/>
             <a:ext cx="471606" cy="221691"/>
           </a:xfrm>
           <a:prstGeom prst="roundRect">
@@ -4906,7 +4906,7 @@
         </p:nvSpPr>
         <p:spPr>
           <a:xfrm>
-            <a:off x="4322976" y="783832"/>
+            <a:off x="4270425" y="1445980"/>
             <a:ext cx="471606" cy="221691"/>
           </a:xfrm>
           <a:prstGeom prst="roundRect">
@@ -4952,7 +4952,7 @@
         </p:nvSpPr>
         <p:spPr>
           <a:xfrm>
-            <a:off x="4322976" y="1509148"/>
+            <a:off x="4270425" y="2171296"/>
             <a:ext cx="471606" cy="221691"/>
           </a:xfrm>
           <a:prstGeom prst="roundRect">
@@ -4998,7 +4998,7 @@
         </p:nvSpPr>
         <p:spPr>
           <a:xfrm>
-            <a:off x="4322976" y="1285023"/>
+            <a:off x="4270425" y="1947171"/>
             <a:ext cx="471606" cy="221691"/>
           </a:xfrm>
           <a:prstGeom prst="roundRect">
@@ -5044,7 +5044,7 @@
         </p:nvSpPr>
         <p:spPr>
           <a:xfrm>
-            <a:off x="4322976" y="2018194"/>
+            <a:off x="4270425" y="2680342"/>
             <a:ext cx="471606" cy="221691"/>
           </a:xfrm>
           <a:prstGeom prst="roundRect">
@@ -5090,7 +5090,7 @@
         </p:nvSpPr>
         <p:spPr>
           <a:xfrm>
-            <a:off x="4322976" y="1794069"/>
+            <a:off x="4270425" y="2456217"/>
             <a:ext cx="471606" cy="221691"/>
           </a:xfrm>
           <a:prstGeom prst="roundRect">
@@ -5136,7 +5136,7 @@
         </p:nvSpPr>
         <p:spPr>
           <a:xfrm>
-            <a:off x="4322976" y="2538949"/>
+            <a:off x="4270425" y="3201097"/>
             <a:ext cx="471606" cy="221691"/>
           </a:xfrm>
           <a:prstGeom prst="roundRect">
@@ -5182,7 +5182,7 @@
         </p:nvSpPr>
         <p:spPr>
           <a:xfrm>
-            <a:off x="4322976" y="2314824"/>
+            <a:off x="4270425" y="2976972"/>
             <a:ext cx="471606" cy="221691"/>
           </a:xfrm>
           <a:prstGeom prst="roundRect">
@@ -5228,7 +5228,7 @@
         </p:nvSpPr>
         <p:spPr>
           <a:xfrm>
-            <a:off x="4322976" y="3029143"/>
+            <a:off x="4270425" y="3691291"/>
             <a:ext cx="471606" cy="221691"/>
           </a:xfrm>
           <a:prstGeom prst="roundRect">
@@ -5274,7 +5274,7 @@
         </p:nvSpPr>
         <p:spPr>
           <a:xfrm>
-            <a:off x="4322976" y="2805018"/>
+            <a:off x="4270425" y="3467166"/>
             <a:ext cx="471606" cy="221691"/>
           </a:xfrm>
           <a:prstGeom prst="roundRect">
@@ -5320,7 +5320,7 @@
         </p:nvSpPr>
         <p:spPr>
           <a:xfrm>
-            <a:off x="4322976" y="3546048"/>
+            <a:off x="4270425" y="4208196"/>
             <a:ext cx="471606" cy="221691"/>
           </a:xfrm>
           <a:prstGeom prst="roundRect">
@@ -5366,7 +5366,7 @@
         </p:nvSpPr>
         <p:spPr>
           <a:xfrm>
-            <a:off x="4322976" y="3321923"/>
+            <a:off x="4270425" y="3984071"/>
             <a:ext cx="471606" cy="221691"/>
           </a:xfrm>
           <a:prstGeom prst="roundRect">
@@ -5412,7 +5412,7 @@
         </p:nvSpPr>
         <p:spPr>
           <a:xfrm>
-            <a:off x="4322976" y="4036505"/>
+            <a:off x="4270425" y="4698653"/>
             <a:ext cx="471606" cy="221691"/>
           </a:xfrm>
           <a:prstGeom prst="roundRect">
@@ -5458,7 +5458,7 @@
         </p:nvSpPr>
         <p:spPr>
           <a:xfrm>
-            <a:off x="4322976" y="3812380"/>
+            <a:off x="4270425" y="4474528"/>
             <a:ext cx="471606" cy="221691"/>
           </a:xfrm>
           <a:prstGeom prst="roundRect">
@@ -5504,7 +5504,7 @@
         </p:nvSpPr>
         <p:spPr>
           <a:xfrm>
-            <a:off x="4322976" y="4553410"/>
+            <a:off x="4270425" y="5215558"/>
             <a:ext cx="471606" cy="221691"/>
           </a:xfrm>
           <a:prstGeom prst="roundRect">
@@ -5550,7 +5550,7 @@
         </p:nvSpPr>
         <p:spPr>
           <a:xfrm>
-            <a:off x="4322976" y="4329285"/>
+            <a:off x="4270425" y="4991433"/>
             <a:ext cx="471606" cy="221691"/>
           </a:xfrm>
           <a:prstGeom prst="roundRect">
@@ -5596,7 +5596,7 @@
         </p:nvSpPr>
         <p:spPr>
           <a:xfrm>
-            <a:off x="4322976" y="5081854"/>
+            <a:off x="4270425" y="5744002"/>
             <a:ext cx="471606" cy="221691"/>
           </a:xfrm>
           <a:prstGeom prst="roundRect">
@@ -5642,7 +5642,7 @@
         </p:nvSpPr>
         <p:spPr>
           <a:xfrm>
-            <a:off x="4322976" y="4857729"/>
+            <a:off x="4270425" y="5519877"/>
             <a:ext cx="471606" cy="221691"/>
           </a:xfrm>
           <a:prstGeom prst="roundRect">
@@ -5688,7 +5688,7 @@
         </p:nvSpPr>
         <p:spPr>
           <a:xfrm>
-            <a:off x="4445657" y="760254"/>
+            <a:off x="4393106" y="1422402"/>
             <a:ext cx="226243" cy="261610"/>
           </a:xfrm>
           <a:prstGeom prst="rect">
@@ -5733,7 +5733,7 @@
         </p:nvSpPr>
         <p:spPr>
           <a:xfrm>
-            <a:off x="4445657" y="1265063"/>
+            <a:off x="4393106" y="1927211"/>
             <a:ext cx="226243" cy="261610"/>
           </a:xfrm>
           <a:prstGeom prst="rect">
@@ -5778,7 +5778,7 @@
         </p:nvSpPr>
         <p:spPr>
           <a:xfrm>
-            <a:off x="4445657" y="1770078"/>
+            <a:off x="4393106" y="2432226"/>
             <a:ext cx="226243" cy="261610"/>
           </a:xfrm>
           <a:prstGeom prst="rect">
@@ -5823,7 +5823,7 @@
         </p:nvSpPr>
         <p:spPr>
           <a:xfrm>
-            <a:off x="4445656" y="2294864"/>
+            <a:off x="4393105" y="2957012"/>
             <a:ext cx="226243" cy="261610"/>
           </a:xfrm>
           <a:prstGeom prst="rect">
@@ -5868,7 +5868,7 @@
         </p:nvSpPr>
         <p:spPr>
           <a:xfrm>
-            <a:off x="4445656" y="2778610"/>
+            <a:off x="4393105" y="3440758"/>
             <a:ext cx="226243" cy="261610"/>
           </a:xfrm>
           <a:prstGeom prst="rect">
@@ -5913,7 +5913,7 @@
         </p:nvSpPr>
         <p:spPr>
           <a:xfrm>
-            <a:off x="4445656" y="3288979"/>
+            <a:off x="4393105" y="3951127"/>
             <a:ext cx="226243" cy="261610"/>
           </a:xfrm>
           <a:prstGeom prst="rect">
@@ -5958,7 +5958,7 @@
         </p:nvSpPr>
         <p:spPr>
           <a:xfrm>
-            <a:off x="4439435" y="3792420"/>
+            <a:off x="4386884" y="4454568"/>
             <a:ext cx="226243" cy="261610"/>
           </a:xfrm>
           <a:prstGeom prst="rect">
@@ -6003,7 +6003,7 @@
         </p:nvSpPr>
         <p:spPr>
           <a:xfrm>
-            <a:off x="4439434" y="4309325"/>
+            <a:off x="4386883" y="4971473"/>
             <a:ext cx="226243" cy="261610"/>
           </a:xfrm>
           <a:prstGeom prst="rect">
@@ -6048,7 +6048,7 @@
         </p:nvSpPr>
         <p:spPr>
           <a:xfrm>
-            <a:off x="4452067" y="4831321"/>
+            <a:off x="4399516" y="5493469"/>
             <a:ext cx="226243" cy="261610"/>
           </a:xfrm>
           <a:prstGeom prst="rect">
@@ -6095,7 +6095,7 @@
         </p:nvCxnSpPr>
         <p:spPr>
           <a:xfrm flipV="1">
-            <a:off x="4789642" y="1118802"/>
+            <a:off x="4737091" y="1780950"/>
             <a:ext cx="245504" cy="1"/>
           </a:xfrm>
           <a:prstGeom prst="straightConnector1">
@@ -6136,7 +6136,7 @@
         </p:nvCxnSpPr>
         <p:spPr>
           <a:xfrm flipV="1">
-            <a:off x="4789642" y="1619992"/>
+            <a:off x="4737091" y="2282140"/>
             <a:ext cx="245504" cy="1"/>
           </a:xfrm>
           <a:prstGeom prst="straightConnector1">
@@ -6177,7 +6177,7 @@
         </p:nvCxnSpPr>
         <p:spPr>
           <a:xfrm flipV="1">
-            <a:off x="4789642" y="2128627"/>
+            <a:off x="4737091" y="2790775"/>
             <a:ext cx="245504" cy="1"/>
           </a:xfrm>
           <a:prstGeom prst="straightConnector1">
@@ -6218,7 +6218,7 @@
         </p:nvCxnSpPr>
         <p:spPr>
           <a:xfrm flipV="1">
-            <a:off x="4789642" y="2646918"/>
+            <a:off x="4737091" y="3309066"/>
             <a:ext cx="245504" cy="1"/>
           </a:xfrm>
           <a:prstGeom prst="straightConnector1">
@@ -6259,7 +6259,7 @@
         </p:nvCxnSpPr>
         <p:spPr>
           <a:xfrm flipV="1">
-            <a:off x="4789642" y="3138450"/>
+            <a:off x="4737091" y="3800598"/>
             <a:ext cx="245504" cy="1"/>
           </a:xfrm>
           <a:prstGeom prst="straightConnector1">
@@ -6300,7 +6300,7 @@
         </p:nvCxnSpPr>
         <p:spPr>
           <a:xfrm flipV="1">
-            <a:off x="4789642" y="3656740"/>
+            <a:off x="4737091" y="4318888"/>
             <a:ext cx="245504" cy="1"/>
           </a:xfrm>
           <a:prstGeom prst="straightConnector1">
@@ -6341,7 +6341,7 @@
         </p:nvCxnSpPr>
         <p:spPr>
           <a:xfrm flipV="1">
-            <a:off x="4789642" y="4144107"/>
+            <a:off x="4737091" y="4806255"/>
             <a:ext cx="245504" cy="1"/>
           </a:xfrm>
           <a:prstGeom prst="straightConnector1">
@@ -6382,7 +6382,7 @@
         </p:nvCxnSpPr>
         <p:spPr>
           <a:xfrm flipV="1">
-            <a:off x="4789642" y="4664145"/>
+            <a:off x="4737091" y="5326293"/>
             <a:ext cx="245504" cy="1"/>
           </a:xfrm>
           <a:prstGeom prst="straightConnector1">
@@ -6423,7 +6423,7 @@
         </p:nvCxnSpPr>
         <p:spPr>
           <a:xfrm flipV="1">
-            <a:off x="4789642" y="5149531"/>
+            <a:off x="4737091" y="5811679"/>
             <a:ext cx="245504" cy="1"/>
           </a:xfrm>
           <a:prstGeom prst="straightConnector1">
@@ -6462,10 +6462,10 @@
         </p:nvGrpSpPr>
         <p:grpSpPr>
           <a:xfrm>
-            <a:off x="8431853" y="72033"/>
-            <a:ext cx="1649526" cy="6745905"/>
-            <a:chOff x="8528103" y="72033"/>
-            <a:chExt cx="1649526" cy="6745905"/>
+            <a:off x="8378915" y="745287"/>
+            <a:ext cx="1649526" cy="6038218"/>
+            <a:chOff x="8528103" y="72034"/>
+            <a:chExt cx="1649526" cy="6038218"/>
           </a:xfrm>
         </p:grpSpPr>
         <p:sp>
@@ -6482,8 +6482,8 @@
           </p:nvSpPr>
           <p:spPr>
             <a:xfrm>
-              <a:off x="8593046" y="787710"/>
-              <a:ext cx="1584583" cy="4677461"/>
+              <a:off x="8593046" y="471640"/>
+              <a:ext cx="1584583" cy="5313662"/>
             </a:xfrm>
             <a:prstGeom prst="bracePair">
               <a:avLst/>
@@ -6526,8 +6526,8 @@
           </p:nvSpPr>
           <p:spPr>
             <a:xfrm>
-              <a:off x="8528103" y="72033"/>
-              <a:ext cx="453651" cy="6745905"/>
+              <a:off x="8528103" y="72034"/>
+              <a:ext cx="453651" cy="6038218"/>
             </a:xfrm>
             <a:prstGeom prst="rect">
               <a:avLst/>
@@ -6581,8 +6581,8 @@
         </p:nvSpPr>
         <p:spPr>
           <a:xfrm>
-            <a:off x="5035920" y="803190"/>
-            <a:ext cx="4714471" cy="4677461"/>
+            <a:off x="4983369" y="1133787"/>
+            <a:ext cx="4714471" cy="5313663"/>
           </a:xfrm>
           <a:prstGeom prst="roundRect">
             <a:avLst>
@@ -6629,8 +6629,8 @@
         </p:nvSpPr>
         <p:spPr>
           <a:xfrm>
-            <a:off x="5311244" y="3642393"/>
-            <a:ext cx="4163509" cy="1681373"/>
+            <a:off x="5224429" y="3868888"/>
+            <a:ext cx="4163509" cy="2404783"/>
           </a:xfrm>
           <a:prstGeom prst="roundRect">
             <a:avLst>
@@ -6659,7 +6659,7 @@
           <a:lstStyle/>
           <a:p>
             <a:pPr algn="ctr"/>
-            <a:endParaRPr lang="en-US"/>
+            <a:endParaRPr lang="en-US" dirty="0"/>
           </a:p>
         </p:txBody>
       </p:sp>
@@ -6677,7 +6677,7 @@
         </p:nvSpPr>
         <p:spPr>
           <a:xfrm>
-            <a:off x="10309632" y="2419175"/>
+            <a:off x="10151978" y="3081323"/>
             <a:ext cx="539581" cy="1451934"/>
           </a:xfrm>
           <a:prstGeom prst="roundRect">
@@ -6723,7 +6723,7 @@
         </p:nvSpPr>
         <p:spPr>
           <a:xfrm rot="5400000">
-            <a:off x="10015004" y="2993245"/>
+            <a:off x="9857350" y="3655393"/>
             <a:ext cx="1128835" cy="338554"/>
           </a:xfrm>
           <a:prstGeom prst="rect">
@@ -6783,7 +6783,7 @@
         </p:nvSpPr>
         <p:spPr>
           <a:xfrm rot="5400000">
-            <a:off x="11081981" y="2869589"/>
+            <a:off x="10924327" y="3531737"/>
             <a:ext cx="180031" cy="494271"/>
           </a:xfrm>
           <a:prstGeom prst="upArrow">
@@ -6829,7 +6829,7 @@
         </p:nvSpPr>
         <p:spPr>
           <a:xfrm>
-            <a:off x="11494780" y="1285022"/>
+            <a:off x="11337126" y="1947170"/>
             <a:ext cx="539581" cy="3664857"/>
           </a:xfrm>
           <a:prstGeom prst="roundRect">
@@ -6875,7 +6875,7 @@
         </p:nvSpPr>
         <p:spPr>
           <a:xfrm rot="5400000">
-            <a:off x="9959882" y="2993245"/>
+            <a:off x="9802228" y="3655393"/>
             <a:ext cx="3609386" cy="338554"/>
           </a:xfrm>
           <a:prstGeom prst="rect">
@@ -7031,7 +7031,7 @@
         </p:nvSpPr>
         <p:spPr>
           <a:xfrm>
-            <a:off x="5376420" y="1082643"/>
+            <a:off x="5153239" y="1253902"/>
             <a:ext cx="590263" cy="2331260"/>
           </a:xfrm>
           <a:prstGeom prst="roundRect">
@@ -7079,7 +7079,7 @@
         </p:nvSpPr>
         <p:spPr>
           <a:xfrm rot="5400000">
-            <a:off x="4703351" y="2092254"/>
+            <a:off x="4477907" y="2218542"/>
             <a:ext cx="1941237" cy="338554"/>
           </a:xfrm>
           <a:prstGeom prst="rect">
@@ -7088,7 +7088,7 @@
           <a:noFill/>
         </p:spPr>
         <p:txBody>
-          <a:bodyPr wrap="none" rtlCol="0">
+          <a:bodyPr wrap="square" rtlCol="0">
             <a:spAutoFit/>
           </a:bodyPr>
           <a:lstStyle/>
@@ -7152,13 +7152,15 @@
           </p:cNvPr>
           <p:cNvCxnSpPr>
             <a:cxnSpLocks/>
+            <a:stCxn id="130" idx="3"/>
+            <a:endCxn id="133" idx="1"/>
           </p:cNvCxnSpPr>
           <p:nvPr/>
         </p:nvCxnSpPr>
         <p:spPr>
           <a:xfrm flipV="1">
-            <a:off x="5972203" y="2261530"/>
-            <a:ext cx="245504" cy="1"/>
+            <a:off x="5743502" y="2417161"/>
+            <a:ext cx="404088" cy="2371"/>
           </a:xfrm>
           <a:prstGeom prst="straightConnector1">
             <a:avLst/>
@@ -7196,7 +7198,7 @@
         </p:nvSpPr>
         <p:spPr>
           <a:xfrm>
-            <a:off x="6221140" y="1080272"/>
+            <a:off x="6147590" y="1251531"/>
             <a:ext cx="590263" cy="2331260"/>
           </a:xfrm>
           <a:prstGeom prst="roundRect">
@@ -7244,7 +7246,7 @@
         </p:nvSpPr>
         <p:spPr>
           <a:xfrm rot="5400000">
-            <a:off x="5548071" y="2089883"/>
+            <a:off x="5491942" y="2218542"/>
             <a:ext cx="1941237" cy="338554"/>
           </a:xfrm>
           <a:prstGeom prst="rect">
@@ -7253,7 +7255,7 @@
           <a:noFill/>
         </p:spPr>
         <p:txBody>
-          <a:bodyPr wrap="none" rtlCol="0">
+          <a:bodyPr wrap="square" rtlCol="0">
             <a:spAutoFit/>
           </a:bodyPr>
           <a:lstStyle/>
@@ -7296,7 +7298,7 @@
                   <a:schemeClr val="bg1"/>
                 </a:solidFill>
               </a:rPr>
-              <a:t>1</a:t>
+              <a:t>2</a:t>
             </a:r>
             <a:endParaRPr lang="en-US" sz="1600" dirty="0">
               <a:solidFill>
@@ -7317,13 +7319,14 @@
           </p:cNvPr>
           <p:cNvCxnSpPr>
             <a:cxnSpLocks/>
+            <a:endCxn id="136" idx="1"/>
           </p:cNvCxnSpPr>
           <p:nvPr/>
         </p:nvCxnSpPr>
         <p:spPr>
-          <a:xfrm flipV="1">
-            <a:off x="6816923" y="2259159"/>
-            <a:ext cx="245504" cy="1"/>
+          <a:xfrm>
+            <a:off x="6756121" y="2417161"/>
+            <a:ext cx="353346" cy="0"/>
           </a:xfrm>
           <a:prstGeom prst="straightConnector1">
             <a:avLst/>
@@ -7361,7 +7364,7 @@
         </p:nvSpPr>
         <p:spPr>
           <a:xfrm>
-            <a:off x="7058322" y="1080272"/>
+            <a:off x="7109467" y="1251531"/>
             <a:ext cx="590263" cy="2331260"/>
           </a:xfrm>
           <a:prstGeom prst="roundRect">
@@ -7409,7 +7412,7 @@
         </p:nvSpPr>
         <p:spPr>
           <a:xfrm rot="5400000">
-            <a:off x="6385253" y="2089883"/>
+            <a:off x="6460610" y="2218542"/>
             <a:ext cx="1941237" cy="338554"/>
           </a:xfrm>
           <a:prstGeom prst="rect">
@@ -7418,7 +7421,7 @@
           <a:noFill/>
         </p:spPr>
         <p:txBody>
-          <a:bodyPr wrap="none" rtlCol="0">
+          <a:bodyPr wrap="square" rtlCol="0">
             <a:spAutoFit/>
           </a:bodyPr>
           <a:lstStyle/>
@@ -7461,7 +7464,7 @@
                   <a:schemeClr val="bg1"/>
                 </a:solidFill>
               </a:rPr>
-              <a:t>1</a:t>
+              <a:t>3</a:t>
             </a:r>
             <a:endParaRPr lang="en-US" sz="1600" dirty="0">
               <a:solidFill>
@@ -7471,47 +7474,6 @@
           </a:p>
         </p:txBody>
       </p:sp>
-      <p:cxnSp>
-        <p:nvCxnSpPr>
-          <p:cNvPr id="138" name="Straight Arrow Connector 137">
-            <a:extLst>
-              <a:ext uri="{FF2B5EF4-FFF2-40B4-BE49-F238E27FC236}">
-                <a16:creationId xmlns:a16="http://schemas.microsoft.com/office/drawing/2014/main" id="{67E2639F-D716-D62C-A417-B608F678AFAF}"/>
-              </a:ext>
-            </a:extLst>
-          </p:cNvPr>
-          <p:cNvCxnSpPr>
-            <a:cxnSpLocks/>
-          </p:cNvCxnSpPr>
-          <p:nvPr/>
-        </p:nvCxnSpPr>
-        <p:spPr>
-          <a:xfrm flipV="1">
-            <a:off x="7654105" y="2259159"/>
-            <a:ext cx="245504" cy="1"/>
-          </a:xfrm>
-          <a:prstGeom prst="straightConnector1">
-            <a:avLst/>
-          </a:prstGeom>
-          <a:ln>
-            <a:tailEnd type="triangle"/>
-          </a:ln>
-        </p:spPr>
-        <p:style>
-          <a:lnRef idx="2">
-            <a:schemeClr val="accent1"/>
-          </a:lnRef>
-          <a:fillRef idx="0">
-            <a:schemeClr val="accent1"/>
-          </a:fillRef>
-          <a:effectRef idx="1">
-            <a:schemeClr val="accent1"/>
-          </a:effectRef>
-          <a:fontRef idx="minor">
-            <a:schemeClr val="tx1"/>
-          </a:fontRef>
-        </p:style>
-      </p:cxnSp>
       <p:sp>
         <p:nvSpPr>
           <p:cNvPr id="139" name="Rounded Rectangle 138">
@@ -7526,7 +7488,7 @@
         </p:nvSpPr>
         <p:spPr>
           <a:xfrm>
-            <a:off x="8753834" y="1080272"/>
+            <a:off x="8879788" y="1251531"/>
             <a:ext cx="590263" cy="2331260"/>
           </a:xfrm>
           <a:prstGeom prst="roundRect">
@@ -7574,8 +7536,8 @@
         </p:nvSpPr>
         <p:spPr>
           <a:xfrm rot="5400000">
-            <a:off x="8080765" y="2089883"/>
-            <a:ext cx="1941237" cy="338554"/>
+            <a:off x="8160192" y="2279950"/>
+            <a:ext cx="2067469" cy="338554"/>
           </a:xfrm>
           <a:prstGeom prst="rect">
             <a:avLst/>
@@ -7583,7 +7545,7 @@
           <a:noFill/>
         </p:spPr>
         <p:txBody>
-          <a:bodyPr wrap="none" rtlCol="0">
+          <a:bodyPr wrap="square" rtlCol="0">
             <a:spAutoFit/>
           </a:bodyPr>
           <a:lstStyle/>
@@ -7626,7 +7588,7 @@
                   <a:schemeClr val="bg1"/>
                 </a:solidFill>
               </a:rPr>
-              <a:t>1</a:t>
+              <a:t>N</a:t>
             </a:r>
             <a:endParaRPr lang="en-US" sz="1600" dirty="0">
               <a:solidFill>
@@ -7636,12 +7598,264 @@
           </a:p>
         </p:txBody>
       </p:sp>
+      <p:sp>
+        <p:nvSpPr>
+          <p:cNvPr id="147" name="TextBox 146">
+            <a:extLst>
+              <a:ext uri="{FF2B5EF4-FFF2-40B4-BE49-F238E27FC236}">
+                <a16:creationId xmlns:a16="http://schemas.microsoft.com/office/drawing/2014/main" id="{0FAF4BF3-85A1-E465-86B8-69481368E34B}"/>
+              </a:ext>
+            </a:extLst>
+          </p:cNvPr>
+          <p:cNvSpPr txBox="1"/>
+          <p:nvPr/>
+        </p:nvSpPr>
+        <p:spPr>
+          <a:xfrm rot="20700000">
+            <a:off x="8116069" y="2201443"/>
+            <a:ext cx="362600" cy="338554"/>
+          </a:xfrm>
+          <a:prstGeom prst="rect">
+            <a:avLst/>
+          </a:prstGeom>
+          <a:noFill/>
+        </p:spPr>
+        <p:txBody>
+          <a:bodyPr wrap="none" rtlCol="0">
+            <a:spAutoFit/>
+          </a:bodyPr>
+          <a:lstStyle/>
+          <a:p>
+            <a:r>
+              <a:rPr lang="en-US" altLang="zh-CN" sz="1600" dirty="0">
+                <a:solidFill>
+                  <a:schemeClr val="bg1"/>
+                </a:solidFill>
+              </a:rPr>
+              <a:t>...</a:t>
+            </a:r>
+            <a:endParaRPr lang="en-US" sz="1600" dirty="0">
+              <a:solidFill>
+                <a:schemeClr val="bg1"/>
+              </a:solidFill>
+            </a:endParaRPr>
+          </a:p>
+        </p:txBody>
+      </p:sp>
+      <p:sp>
+        <p:nvSpPr>
+          <p:cNvPr id="153" name="Rectangle 152">
+            <a:extLst>
+              <a:ext uri="{FF2B5EF4-FFF2-40B4-BE49-F238E27FC236}">
+                <a16:creationId xmlns:a16="http://schemas.microsoft.com/office/drawing/2014/main" id="{459579B0-58F4-B2EA-2F70-BB75420AF511}"/>
+              </a:ext>
+            </a:extLst>
+          </p:cNvPr>
+          <p:cNvSpPr/>
+          <p:nvPr/>
+        </p:nvSpPr>
+        <p:spPr>
+          <a:xfrm>
+            <a:off x="6019287" y="4194801"/>
+            <a:ext cx="195728" cy="1752956"/>
+          </a:xfrm>
+          <a:prstGeom prst="rect">
+            <a:avLst/>
+          </a:prstGeom>
+          <a:ln>
+            <a:noFill/>
+          </a:ln>
+        </p:spPr>
+        <p:style>
+          <a:lnRef idx="2">
+            <a:schemeClr val="accent5">
+              <a:shade val="15000"/>
+            </a:schemeClr>
+          </a:lnRef>
+          <a:fillRef idx="1">
+            <a:schemeClr val="accent5"/>
+          </a:fillRef>
+          <a:effectRef idx="0">
+            <a:schemeClr val="accent5"/>
+          </a:effectRef>
+          <a:fontRef idx="minor">
+            <a:schemeClr val="lt1"/>
+          </a:fontRef>
+        </p:style>
+        <p:txBody>
+          <a:bodyPr rtlCol="0" anchor="ctr"/>
+          <a:lstStyle/>
+          <a:p>
+            <a:pPr algn="ctr"/>
+            <a:endParaRPr lang="en-US"/>
+          </a:p>
+        </p:txBody>
+      </p:sp>
+      <mc:AlternateContent xmlns:mc="http://schemas.openxmlformats.org/markup-compatibility/2006">
+        <mc:Choice xmlns:a14="http://schemas.microsoft.com/office/drawing/2010/main" Requires="a14">
+          <p:sp>
+            <p:nvSpPr>
+              <p:cNvPr id="154" name="TextBox 153">
+                <a:extLst>
+                  <a:ext uri="{FF2B5EF4-FFF2-40B4-BE49-F238E27FC236}">
+                    <a16:creationId xmlns:a16="http://schemas.microsoft.com/office/drawing/2014/main" id="{7F0E1438-A889-183B-5EBE-F92C253FA796}"/>
+                  </a:ext>
+                </a:extLst>
+              </p:cNvPr>
+              <p:cNvSpPr txBox="1"/>
+              <p:nvPr/>
+            </p:nvSpPr>
+            <p:spPr>
+              <a:xfrm>
+                <a:off x="5727440" y="5927351"/>
+                <a:ext cx="809003" cy="280333"/>
+              </a:xfrm>
+              <a:prstGeom prst="rect">
+                <a:avLst/>
+              </a:prstGeom>
+              <a:noFill/>
+            </p:spPr>
+            <p:txBody>
+              <a:bodyPr wrap="none" rtlCol="0">
+                <a:spAutoFit/>
+              </a:bodyPr>
+              <a:lstStyle/>
+              <a:p>
+                <a14:m>
+                  <m:oMathPara xmlns:m="http://schemas.openxmlformats.org/officeDocument/2006/math">
+                    <m:oMathParaPr>
+                      <m:jc m:val="centerGroup"/>
+                    </m:oMathParaPr>
+                    <m:oMath xmlns:m="http://schemas.openxmlformats.org/officeDocument/2006/math">
+                      <m:sSup>
+                        <m:sSupPr>
+                          <m:ctrlPr>
+                            <a:rPr lang="en-US" altLang="zh-CN" sz="1200" i="1" dirty="0" smtClean="0">
+                              <a:solidFill>
+                                <a:schemeClr val="bg1"/>
+                              </a:solidFill>
+                              <a:latin typeface="Cambria Math" panose="02040503050406030204" pitchFamily="18" charset="0"/>
+                              <a:ea typeface="Cambria Math" panose="02040503050406030204" pitchFamily="18" charset="0"/>
+                            </a:rPr>
+                          </m:ctrlPr>
+                        </m:sSupPr>
+                        <m:e>
+                          <m:r>
+                            <a:rPr lang="en-US" altLang="zh-CN" sz="1200" b="0" i="1" dirty="0" smtClean="0">
+                              <a:solidFill>
+                                <a:schemeClr val="bg1"/>
+                              </a:solidFill>
+                              <a:latin typeface="Cambria Math" panose="02040503050406030204" pitchFamily="18" charset="0"/>
+                              <a:ea typeface="Cambria Math" panose="02040503050406030204" pitchFamily="18" charset="0"/>
+                            </a:rPr>
+                            <m:t>𝑥</m:t>
+                          </m:r>
+                          <m:r>
+                            <a:rPr lang="zh-CN" altLang="en-US" sz="1200" i="1" smtClean="0">
+                              <a:solidFill>
+                                <a:schemeClr val="bg1"/>
+                              </a:solidFill>
+                              <a:latin typeface="Cambria Math" panose="02040503050406030204" pitchFamily="18" charset="0"/>
+                            </a:rPr>
+                            <m:t>∈</m:t>
+                          </m:r>
+                          <m:r>
+                            <a:rPr lang="en-US" altLang="zh-CN" sz="1200" i="1" dirty="0" smtClean="0">
+                              <a:solidFill>
+                                <a:schemeClr val="bg1"/>
+                              </a:solidFill>
+                              <a:latin typeface="Cambria Math" panose="02040503050406030204" pitchFamily="18" charset="0"/>
+                              <a:ea typeface="Cambria Math" panose="02040503050406030204" pitchFamily="18" charset="0"/>
+                            </a:rPr>
+                            <m:t>ℝ</m:t>
+                          </m:r>
+                        </m:e>
+                        <m:sup>
+                          <m:r>
+                            <a:rPr lang="en-US" altLang="zh-CN" sz="1200" b="0" i="1" dirty="0" smtClean="0">
+                              <a:solidFill>
+                                <a:schemeClr val="bg1"/>
+                              </a:solidFill>
+                              <a:latin typeface="Cambria Math" panose="02040503050406030204" pitchFamily="18" charset="0"/>
+                              <a:ea typeface="Cambria Math" panose="02040503050406030204" pitchFamily="18" charset="0"/>
+                            </a:rPr>
+                            <m:t>1</m:t>
+                          </m:r>
+                          <m:r>
+                            <a:rPr lang="en-US" altLang="zh-CN" sz="1200" b="0" i="1" dirty="0" smtClean="0">
+                              <a:solidFill>
+                                <a:schemeClr val="bg1"/>
+                              </a:solidFill>
+                              <a:latin typeface="Cambria Math" panose="02040503050406030204" pitchFamily="18" charset="0"/>
+                              <a:ea typeface="Cambria Math" panose="02040503050406030204" pitchFamily="18" charset="0"/>
+                            </a:rPr>
+                            <m:t>𝑥𝑑</m:t>
+                          </m:r>
+                        </m:sup>
+                      </m:sSup>
+                    </m:oMath>
+                  </m:oMathPara>
+                </a14:m>
+                <a:endParaRPr lang="en-US" sz="1200" dirty="0">
+                  <a:solidFill>
+                    <a:schemeClr val="bg1"/>
+                  </a:solidFill>
+                </a:endParaRPr>
+              </a:p>
+            </p:txBody>
+          </p:sp>
+        </mc:Choice>
+        <mc:Fallback>
+          <p:sp>
+            <p:nvSpPr>
+              <p:cNvPr id="154" name="TextBox 153">
+                <a:extLst>
+                  <a:ext uri="{FF2B5EF4-FFF2-40B4-BE49-F238E27FC236}">
+                    <a16:creationId xmlns:a16="http://schemas.microsoft.com/office/drawing/2014/main" id="{7F0E1438-A889-183B-5EBE-F92C253FA796}"/>
+                  </a:ext>
+                </a:extLst>
+              </p:cNvPr>
+              <p:cNvSpPr txBox="1">
+                <a:spLocks noRot="1" noChangeAspect="1" noMove="1" noResize="1" noEditPoints="1" noAdjustHandles="1" noChangeArrowheads="1" noChangeShapeType="1" noTextEdit="1"/>
+              </p:cNvSpPr>
+              <p:nvPr/>
+            </p:nvSpPr>
+            <p:spPr>
+              <a:xfrm>
+                <a:off x="5727440" y="5927351"/>
+                <a:ext cx="809003" cy="280333"/>
+              </a:xfrm>
+              <a:prstGeom prst="rect">
+                <a:avLst/>
+              </a:prstGeom>
+              <a:blipFill>
+                <a:blip r:embed="rId3"/>
+                <a:stretch>
+                  <a:fillRect/>
+                </a:stretch>
+              </a:blipFill>
+            </p:spPr>
+            <p:txBody>
+              <a:bodyPr/>
+              <a:lstStyle/>
+              <a:p>
+                <a:r>
+                  <a:rPr lang="en-US">
+                    <a:noFill/>
+                  </a:rPr>
+                  <a:t> </a:t>
+                </a:r>
+              </a:p>
+            </p:txBody>
+          </p:sp>
+        </mc:Fallback>
+      </mc:AlternateContent>
       <p:cxnSp>
         <p:nvCxnSpPr>
-          <p:cNvPr id="145" name="Straight Arrow Connector 144">
-            <a:extLst>
-              <a:ext uri="{FF2B5EF4-FFF2-40B4-BE49-F238E27FC236}">
-                <a16:creationId xmlns:a16="http://schemas.microsoft.com/office/drawing/2014/main" id="{D2E6B5DA-E189-3C64-D83D-31E185EBFCC5}"/>
+          <p:cNvPr id="155" name="Straight Arrow Connector 154">
+            <a:extLst>
+              <a:ext uri="{FF2B5EF4-FFF2-40B4-BE49-F238E27FC236}">
+                <a16:creationId xmlns:a16="http://schemas.microsoft.com/office/drawing/2014/main" id="{385A1127-3DAF-2321-32A5-ED3973FFCFFE}"/>
               </a:ext>
             </a:extLst>
           </p:cNvPr>
@@ -7651,14 +7865,17 @@
           <p:nvPr/>
         </p:nvCxnSpPr>
         <p:spPr>
-          <a:xfrm flipV="1">
-            <a:off x="8487538" y="2248272"/>
-            <a:ext cx="245504" cy="1"/>
+          <a:xfrm>
+            <a:off x="6213245" y="4303210"/>
+            <a:ext cx="365760" cy="0"/>
           </a:xfrm>
           <a:prstGeom prst="straightConnector1">
             <a:avLst/>
           </a:prstGeom>
           <a:ln>
+            <a:solidFill>
+              <a:schemeClr val="bg1"/>
+            </a:solidFill>
             <a:tailEnd type="triangle"/>
           </a:ln>
         </p:spPr>
@@ -7677,12 +7894,1430 @@
           </a:fontRef>
         </p:style>
       </p:cxnSp>
-      <p:sp>
-        <p:nvSpPr>
-          <p:cNvPr id="147" name="TextBox 146">
-            <a:extLst>
-              <a:ext uri="{FF2B5EF4-FFF2-40B4-BE49-F238E27FC236}">
-                <a16:creationId xmlns:a16="http://schemas.microsoft.com/office/drawing/2014/main" id="{0FAF4BF3-85A1-E465-86B8-69481368E34B}"/>
+      <p:cxnSp>
+        <p:nvCxnSpPr>
+          <p:cNvPr id="157" name="Straight Arrow Connector 156">
+            <a:extLst>
+              <a:ext uri="{FF2B5EF4-FFF2-40B4-BE49-F238E27FC236}">
+                <a16:creationId xmlns:a16="http://schemas.microsoft.com/office/drawing/2014/main" id="{B1356491-1355-883B-9D6E-833F79678F5C}"/>
+              </a:ext>
+            </a:extLst>
+          </p:cNvPr>
+          <p:cNvCxnSpPr>
+            <a:cxnSpLocks/>
+          </p:cNvCxnSpPr>
+          <p:nvPr/>
+        </p:nvCxnSpPr>
+        <p:spPr>
+          <a:xfrm>
+            <a:off x="6213245" y="5071279"/>
+            <a:ext cx="365760" cy="0"/>
+          </a:xfrm>
+          <a:prstGeom prst="straightConnector1">
+            <a:avLst/>
+          </a:prstGeom>
+          <a:ln>
+            <a:solidFill>
+              <a:schemeClr val="bg1"/>
+            </a:solidFill>
+            <a:tailEnd type="triangle"/>
+          </a:ln>
+        </p:spPr>
+        <p:style>
+          <a:lnRef idx="2">
+            <a:schemeClr val="accent1"/>
+          </a:lnRef>
+          <a:fillRef idx="0">
+            <a:schemeClr val="accent1"/>
+          </a:fillRef>
+          <a:effectRef idx="1">
+            <a:schemeClr val="accent1"/>
+          </a:effectRef>
+          <a:fontRef idx="minor">
+            <a:schemeClr val="tx1"/>
+          </a:fontRef>
+        </p:style>
+      </p:cxnSp>
+      <p:cxnSp>
+        <p:nvCxnSpPr>
+          <p:cNvPr id="158" name="Straight Arrow Connector 157">
+            <a:extLst>
+              <a:ext uri="{FF2B5EF4-FFF2-40B4-BE49-F238E27FC236}">
+                <a16:creationId xmlns:a16="http://schemas.microsoft.com/office/drawing/2014/main" id="{AA1A7041-ED1F-D8AD-16B9-FA32E98BD95E}"/>
+              </a:ext>
+            </a:extLst>
+          </p:cNvPr>
+          <p:cNvCxnSpPr>
+            <a:cxnSpLocks/>
+          </p:cNvCxnSpPr>
+          <p:nvPr/>
+        </p:nvCxnSpPr>
+        <p:spPr>
+          <a:xfrm>
+            <a:off x="6213245" y="5826409"/>
+            <a:ext cx="365760" cy="0"/>
+          </a:xfrm>
+          <a:prstGeom prst="straightConnector1">
+            <a:avLst/>
+          </a:prstGeom>
+          <a:ln>
+            <a:solidFill>
+              <a:schemeClr val="bg1"/>
+            </a:solidFill>
+            <a:tailEnd type="triangle"/>
+          </a:ln>
+        </p:spPr>
+        <p:style>
+          <a:lnRef idx="2">
+            <a:schemeClr val="accent1"/>
+          </a:lnRef>
+          <a:fillRef idx="0">
+            <a:schemeClr val="accent1"/>
+          </a:fillRef>
+          <a:effectRef idx="1">
+            <a:schemeClr val="accent1"/>
+          </a:effectRef>
+          <a:fontRef idx="minor">
+            <a:schemeClr val="tx1"/>
+          </a:fontRef>
+        </p:style>
+      </p:cxnSp>
+      <p:sp>
+        <p:nvSpPr>
+          <p:cNvPr id="159" name="Rectangle 158">
+            <a:extLst>
+              <a:ext uri="{FF2B5EF4-FFF2-40B4-BE49-F238E27FC236}">
+                <a16:creationId xmlns:a16="http://schemas.microsoft.com/office/drawing/2014/main" id="{4ED8687B-F3DE-6250-029C-75780B684891}"/>
+              </a:ext>
+            </a:extLst>
+          </p:cNvPr>
+          <p:cNvSpPr/>
+          <p:nvPr/>
+        </p:nvSpPr>
+        <p:spPr>
+          <a:xfrm>
+            <a:off x="6600159" y="4748037"/>
+            <a:ext cx="636525" cy="640584"/>
+          </a:xfrm>
+          <a:prstGeom prst="rect">
+            <a:avLst/>
+          </a:prstGeom>
+        </p:spPr>
+        <p:style>
+          <a:lnRef idx="2">
+            <a:schemeClr val="accent1">
+              <a:shade val="15000"/>
+            </a:schemeClr>
+          </a:lnRef>
+          <a:fillRef idx="1">
+            <a:schemeClr val="accent1"/>
+          </a:fillRef>
+          <a:effectRef idx="0">
+            <a:schemeClr val="accent1"/>
+          </a:effectRef>
+          <a:fontRef idx="minor">
+            <a:schemeClr val="lt1"/>
+          </a:fontRef>
+        </p:style>
+        <p:txBody>
+          <a:bodyPr rtlCol="0" anchor="ctr"/>
+          <a:lstStyle/>
+          <a:p>
+            <a:pPr algn="ctr"/>
+            <a:endParaRPr lang="en-US" sz="1400" dirty="0"/>
+          </a:p>
+        </p:txBody>
+      </p:sp>
+      <mc:AlternateContent xmlns:mc="http://schemas.openxmlformats.org/markup-compatibility/2006">
+        <mc:Choice xmlns:a14="http://schemas.microsoft.com/office/drawing/2010/main" Requires="a14">
+          <p:sp>
+            <p:nvSpPr>
+              <p:cNvPr id="162" name="Rectangle 161">
+                <a:extLst>
+                  <a:ext uri="{FF2B5EF4-FFF2-40B4-BE49-F238E27FC236}">
+                    <a16:creationId xmlns:a16="http://schemas.microsoft.com/office/drawing/2014/main" id="{257768F3-0CC1-6BA7-4AA8-908CABED55A2}"/>
+                  </a:ext>
+                </a:extLst>
+              </p:cNvPr>
+              <p:cNvSpPr/>
+              <p:nvPr/>
+            </p:nvSpPr>
+            <p:spPr>
+              <a:xfrm>
+                <a:off x="6588048" y="3990015"/>
+                <a:ext cx="636524" cy="640584"/>
+              </a:xfrm>
+              <a:prstGeom prst="rect">
+                <a:avLst/>
+              </a:prstGeom>
+            </p:spPr>
+            <p:style>
+              <a:lnRef idx="2">
+                <a:schemeClr val="accent1">
+                  <a:shade val="15000"/>
+                </a:schemeClr>
+              </a:lnRef>
+              <a:fillRef idx="1">
+                <a:schemeClr val="accent1"/>
+              </a:fillRef>
+              <a:effectRef idx="0">
+                <a:schemeClr val="accent1"/>
+              </a:effectRef>
+              <a:fontRef idx="minor">
+                <a:schemeClr val="lt1"/>
+              </a:fontRef>
+            </p:style>
+            <p:txBody>
+              <a:bodyPr rtlCol="0" anchor="ctr"/>
+              <a:lstStyle/>
+              <a:p>
+                <a:pPr algn="ctr"/>
+                <a14:m>
+                  <m:oMathPara xmlns:m="http://schemas.openxmlformats.org/officeDocument/2006/math">
+                    <m:oMathParaPr>
+                      <m:jc m:val="centerGroup"/>
+                    </m:oMathParaPr>
+                    <m:oMath xmlns:m="http://schemas.openxmlformats.org/officeDocument/2006/math">
+                      <m:r>
+                        <a:rPr lang="en-US" altLang="zh-CN" sz="1000" b="0" i="1" smtClean="0">
+                          <a:latin typeface="Cambria Math" panose="02040503050406030204" pitchFamily="18" charset="0"/>
+                        </a:rPr>
+                        <m:t>𝐾</m:t>
+                      </m:r>
+                    </m:oMath>
+                  </m:oMathPara>
+                </a14:m>
+                <a:endParaRPr lang="en-US" sz="1000" dirty="0"/>
+              </a:p>
+            </p:txBody>
+          </p:sp>
+        </mc:Choice>
+        <mc:Fallback>
+          <p:sp>
+            <p:nvSpPr>
+              <p:cNvPr id="162" name="Rectangle 161">
+                <a:extLst>
+                  <a:ext uri="{FF2B5EF4-FFF2-40B4-BE49-F238E27FC236}">
+                    <a16:creationId xmlns:a16="http://schemas.microsoft.com/office/drawing/2014/main" id="{257768F3-0CC1-6BA7-4AA8-908CABED55A2}"/>
+                  </a:ext>
+                </a:extLst>
+              </p:cNvPr>
+              <p:cNvSpPr>
+                <a:spLocks noRot="1" noChangeAspect="1" noMove="1" noResize="1" noEditPoints="1" noAdjustHandles="1" noChangeArrowheads="1" noChangeShapeType="1" noTextEdit="1"/>
+              </p:cNvSpPr>
+              <p:nvPr/>
+            </p:nvSpPr>
+            <p:spPr>
+              <a:xfrm>
+                <a:off x="6588048" y="3990015"/>
+                <a:ext cx="636524" cy="640584"/>
+              </a:xfrm>
+              <a:prstGeom prst="rect">
+                <a:avLst/>
+              </a:prstGeom>
+              <a:blipFill>
+                <a:blip r:embed="rId4"/>
+                <a:stretch>
+                  <a:fillRect/>
+                </a:stretch>
+              </a:blipFill>
+            </p:spPr>
+            <p:txBody>
+              <a:bodyPr/>
+              <a:lstStyle/>
+              <a:p>
+                <a:r>
+                  <a:rPr lang="en-US">
+                    <a:noFill/>
+                  </a:rPr>
+                  <a:t> </a:t>
+                </a:r>
+              </a:p>
+            </p:txBody>
+          </p:sp>
+        </mc:Fallback>
+      </mc:AlternateContent>
+      <mc:AlternateContent xmlns:mc="http://schemas.openxmlformats.org/markup-compatibility/2006">
+        <mc:Choice xmlns:a14="http://schemas.microsoft.com/office/drawing/2010/main" Requires="a14">
+          <p:sp>
+            <p:nvSpPr>
+              <p:cNvPr id="163" name="TextBox 162">
+                <a:extLst>
+                  <a:ext uri="{FF2B5EF4-FFF2-40B4-BE49-F238E27FC236}">
+                    <a16:creationId xmlns:a16="http://schemas.microsoft.com/office/drawing/2014/main" id="{2F2351BD-E4C4-7359-F221-2D1362AEF0FC}"/>
+                  </a:ext>
+                </a:extLst>
+              </p:cNvPr>
+              <p:cNvSpPr txBox="1"/>
+              <p:nvPr/>
+            </p:nvSpPr>
+            <p:spPr>
+              <a:xfrm>
+                <a:off x="6589403" y="4732870"/>
+                <a:ext cx="686013" cy="578813"/>
+              </a:xfrm>
+              <a:prstGeom prst="rect">
+                <a:avLst/>
+              </a:prstGeom>
+              <a:noFill/>
+            </p:spPr>
+            <p:txBody>
+              <a:bodyPr wrap="square" rtlCol="0">
+                <a:spAutoFit/>
+              </a:bodyPr>
+              <a:lstStyle/>
+              <a:p>
+                <a:pPr algn="ctr">
+                  <a:lnSpc>
+                    <a:spcPct val="150000"/>
+                  </a:lnSpc>
+                </a:pPr>
+                <a14:m>
+                  <m:oMathPara xmlns:m="http://schemas.openxmlformats.org/officeDocument/2006/math">
+                    <m:oMathParaPr>
+                      <m:jc m:val="centerGroup"/>
+                    </m:oMathParaPr>
+                    <m:oMath xmlns:m="http://schemas.openxmlformats.org/officeDocument/2006/math">
+                      <m:sSub>
+                        <m:sSubPr>
+                          <m:ctrlPr>
+                            <a:rPr lang="en-US" sz="1000" i="1" smtClean="0">
+                              <a:solidFill>
+                                <a:schemeClr val="bg1"/>
+                              </a:solidFill>
+                              <a:latin typeface="Cambria Math" panose="02040503050406030204" pitchFamily="18" charset="0"/>
+                            </a:rPr>
+                          </m:ctrlPr>
+                        </m:sSubPr>
+                        <m:e>
+                          <m:r>
+                            <a:rPr lang="en-US" altLang="zh-CN" sz="1000" b="0" i="1" smtClean="0">
+                              <a:solidFill>
+                                <a:schemeClr val="bg1"/>
+                              </a:solidFill>
+                              <a:latin typeface="Cambria Math" panose="02040503050406030204" pitchFamily="18" charset="0"/>
+                            </a:rPr>
+                            <m:t>𝑊</m:t>
+                          </m:r>
+                        </m:e>
+                        <m:sub>
+                          <m:r>
+                            <a:rPr lang="en-US" altLang="zh-CN" sz="1000" b="0" i="1" smtClean="0">
+                              <a:solidFill>
+                                <a:schemeClr val="bg1"/>
+                              </a:solidFill>
+                              <a:latin typeface="Cambria Math" panose="02040503050406030204" pitchFamily="18" charset="0"/>
+                            </a:rPr>
+                            <m:t>𝑄</m:t>
+                          </m:r>
+                          <m:r>
+                            <a:rPr lang="en-US" altLang="zh-CN" sz="1000" b="0" i="1" smtClean="0">
+                              <a:solidFill>
+                                <a:schemeClr val="bg1"/>
+                              </a:solidFill>
+                              <a:latin typeface="Cambria Math" panose="02040503050406030204" pitchFamily="18" charset="0"/>
+                            </a:rPr>
+                            <m:t>/</m:t>
+                          </m:r>
+                          <m:r>
+                            <a:rPr lang="en-US" altLang="zh-CN" sz="1000" b="0" i="1" smtClean="0">
+                              <a:solidFill>
+                                <a:schemeClr val="bg1"/>
+                              </a:solidFill>
+                              <a:latin typeface="Cambria Math" panose="02040503050406030204" pitchFamily="18" charset="0"/>
+                            </a:rPr>
+                            <m:t>𝑉</m:t>
+                          </m:r>
+                        </m:sub>
+                      </m:sSub>
+                    </m:oMath>
+                  </m:oMathPara>
+                </a14:m>
+                <a:endParaRPr lang="en-US" altLang="zh-CN" sz="1000" b="0" i="1" dirty="0">
+                  <a:solidFill>
+                    <a:schemeClr val="bg1"/>
+                  </a:solidFill>
+                  <a:latin typeface="Cambria Math" panose="02040503050406030204" pitchFamily="18" charset="0"/>
+                </a:endParaRPr>
+              </a:p>
+              <a:p>
+                <a:pPr algn="ctr">
+                  <a:lnSpc>
+                    <a:spcPct val="150000"/>
+                  </a:lnSpc>
+                </a:pPr>
+                <a14:m>
+                  <m:oMathPara xmlns:m="http://schemas.openxmlformats.org/officeDocument/2006/math">
+                    <m:oMathParaPr>
+                      <m:jc m:val="centerGroup"/>
+                    </m:oMathParaPr>
+                    <m:oMath xmlns:m="http://schemas.openxmlformats.org/officeDocument/2006/math">
+                      <m:sSup>
+                        <m:sSupPr>
+                          <m:ctrlPr>
+                            <a:rPr lang="en-US" altLang="zh-CN" sz="1000" b="0" i="1" smtClean="0">
+                              <a:solidFill>
+                                <a:schemeClr val="bg1"/>
+                              </a:solidFill>
+                              <a:latin typeface="Cambria Math" panose="02040503050406030204" pitchFamily="18" charset="0"/>
+                              <a:ea typeface="Cambria Math" panose="02040503050406030204" pitchFamily="18" charset="0"/>
+                            </a:rPr>
+                          </m:ctrlPr>
+                        </m:sSupPr>
+                        <m:e>
+                          <m:r>
+                            <a:rPr lang="en-US" altLang="zh-CN" sz="1000" b="0" i="1" smtClean="0">
+                              <a:solidFill>
+                                <a:schemeClr val="bg1"/>
+                              </a:solidFill>
+                              <a:latin typeface="Cambria Math" panose="02040503050406030204" pitchFamily="18" charset="0"/>
+                              <a:ea typeface="Cambria Math" panose="02040503050406030204" pitchFamily="18" charset="0"/>
+                            </a:rPr>
+                            <m:t>(</m:t>
+                          </m:r>
+                          <m:r>
+                            <a:rPr lang="en-US" altLang="zh-CN" sz="1000" i="1" dirty="0">
+                              <a:solidFill>
+                                <a:schemeClr val="bg1"/>
+                              </a:solidFill>
+                              <a:latin typeface="Cambria Math" panose="02040503050406030204" pitchFamily="18" charset="0"/>
+                              <a:ea typeface="Cambria Math" panose="02040503050406030204" pitchFamily="18" charset="0"/>
+                            </a:rPr>
+                            <m:t>ℝ</m:t>
+                          </m:r>
+                        </m:e>
+                        <m:sup>
+                          <m:r>
+                            <a:rPr lang="en-US" altLang="zh-CN" sz="1000" b="0" i="1" smtClean="0">
+                              <a:solidFill>
+                                <a:schemeClr val="bg1"/>
+                              </a:solidFill>
+                              <a:latin typeface="Cambria Math" panose="02040503050406030204" pitchFamily="18" charset="0"/>
+                              <a:ea typeface="Cambria Math" panose="02040503050406030204" pitchFamily="18" charset="0"/>
+                            </a:rPr>
+                            <m:t>𝑑</m:t>
+                          </m:r>
+                          <m:r>
+                            <a:rPr lang="zh-CN" altLang="en-US" sz="1000" i="1">
+                              <a:solidFill>
+                                <a:schemeClr val="bg1"/>
+                              </a:solidFill>
+                              <a:latin typeface="Cambria Math" panose="02040503050406030204" pitchFamily="18" charset="0"/>
+                              <a:ea typeface="Cambria Math" panose="02040503050406030204" pitchFamily="18" charset="0"/>
+                            </a:rPr>
+                            <m:t>×</m:t>
+                          </m:r>
+                          <m:r>
+                            <a:rPr lang="en-US" altLang="zh-CN" sz="1000" b="0" i="1" smtClean="0">
+                              <a:solidFill>
+                                <a:schemeClr val="bg1"/>
+                              </a:solidFill>
+                              <a:latin typeface="Cambria Math" panose="02040503050406030204" pitchFamily="18" charset="0"/>
+                              <a:ea typeface="Cambria Math" panose="02040503050406030204" pitchFamily="18" charset="0"/>
+                            </a:rPr>
+                            <m:t>𝑑</m:t>
+                          </m:r>
+                        </m:sup>
+                      </m:sSup>
+                      <m:r>
+                        <a:rPr lang="en-US" altLang="zh-CN" sz="1000" b="0" i="1" smtClean="0">
+                          <a:solidFill>
+                            <a:schemeClr val="bg1"/>
+                          </a:solidFill>
+                          <a:latin typeface="Cambria Math" panose="02040503050406030204" pitchFamily="18" charset="0"/>
+                          <a:ea typeface="Cambria Math" panose="02040503050406030204" pitchFamily="18" charset="0"/>
+                        </a:rPr>
+                        <m:t>)</m:t>
+                      </m:r>
+                    </m:oMath>
+                  </m:oMathPara>
+                </a14:m>
+                <a:endParaRPr lang="en-US" sz="1000" dirty="0">
+                  <a:solidFill>
+                    <a:schemeClr val="bg1"/>
+                  </a:solidFill>
+                </a:endParaRPr>
+              </a:p>
+            </p:txBody>
+          </p:sp>
+        </mc:Choice>
+        <mc:Fallback>
+          <p:sp>
+            <p:nvSpPr>
+              <p:cNvPr id="163" name="TextBox 162">
+                <a:extLst>
+                  <a:ext uri="{FF2B5EF4-FFF2-40B4-BE49-F238E27FC236}">
+                    <a16:creationId xmlns:a16="http://schemas.microsoft.com/office/drawing/2014/main" id="{2F2351BD-E4C4-7359-F221-2D1362AEF0FC}"/>
+                  </a:ext>
+                </a:extLst>
+              </p:cNvPr>
+              <p:cNvSpPr txBox="1">
+                <a:spLocks noRot="1" noChangeAspect="1" noMove="1" noResize="1" noEditPoints="1" noAdjustHandles="1" noChangeArrowheads="1" noChangeShapeType="1" noTextEdit="1"/>
+              </p:cNvSpPr>
+              <p:nvPr/>
+            </p:nvSpPr>
+            <p:spPr>
+              <a:xfrm>
+                <a:off x="6589403" y="4732870"/>
+                <a:ext cx="686013" cy="578813"/>
+              </a:xfrm>
+              <a:prstGeom prst="rect">
+                <a:avLst/>
+              </a:prstGeom>
+              <a:blipFill>
+                <a:blip r:embed="rId5"/>
+                <a:stretch>
+                  <a:fillRect/>
+                </a:stretch>
+              </a:blipFill>
+            </p:spPr>
+            <p:txBody>
+              <a:bodyPr/>
+              <a:lstStyle/>
+              <a:p>
+                <a:r>
+                  <a:rPr lang="en-US">
+                    <a:noFill/>
+                  </a:rPr>
+                  <a:t> </a:t>
+                </a:r>
+              </a:p>
+            </p:txBody>
+          </p:sp>
+        </mc:Fallback>
+      </mc:AlternateContent>
+      <p:sp>
+        <p:nvSpPr>
+          <p:cNvPr id="167" name="Manual Operation 166">
+            <a:extLst>
+              <a:ext uri="{FF2B5EF4-FFF2-40B4-BE49-F238E27FC236}">
+                <a16:creationId xmlns:a16="http://schemas.microsoft.com/office/drawing/2014/main" id="{427087A1-8AE6-27F7-C045-29F39B86CF58}"/>
+              </a:ext>
+            </a:extLst>
+          </p:cNvPr>
+          <p:cNvSpPr/>
+          <p:nvPr/>
+        </p:nvSpPr>
+        <p:spPr>
+          <a:xfrm rot="16200000">
+            <a:off x="6450745" y="5618790"/>
+            <a:ext cx="741975" cy="435812"/>
+          </a:xfrm>
+          <a:prstGeom prst="flowChartManualOperation">
+            <a:avLst/>
+          </a:prstGeom>
+        </p:spPr>
+        <p:style>
+          <a:lnRef idx="2">
+            <a:schemeClr val="accent1">
+              <a:shade val="15000"/>
+            </a:schemeClr>
+          </a:lnRef>
+          <a:fillRef idx="1">
+            <a:schemeClr val="accent1"/>
+          </a:fillRef>
+          <a:effectRef idx="0">
+            <a:schemeClr val="accent1"/>
+          </a:effectRef>
+          <a:fontRef idx="minor">
+            <a:schemeClr val="lt1"/>
+          </a:fontRef>
+        </p:style>
+        <p:txBody>
+          <a:bodyPr rtlCol="0" anchor="ctr"/>
+          <a:lstStyle/>
+          <a:p>
+            <a:pPr algn="ctr"/>
+            <a:endParaRPr lang="en-US"/>
+          </a:p>
+        </p:txBody>
+      </p:sp>
+      <mc:AlternateContent xmlns:mc="http://schemas.openxmlformats.org/markup-compatibility/2006">
+        <mc:Choice xmlns:a14="http://schemas.microsoft.com/office/drawing/2010/main" Requires="a14">
+          <p:sp>
+            <p:nvSpPr>
+              <p:cNvPr id="168" name="TextBox 167">
+                <a:extLst>
+                  <a:ext uri="{FF2B5EF4-FFF2-40B4-BE49-F238E27FC236}">
+                    <a16:creationId xmlns:a16="http://schemas.microsoft.com/office/drawing/2014/main" id="{DD00B9A5-BE14-046C-C9C1-087814BBC51A}"/>
+                  </a:ext>
+                </a:extLst>
+              </p:cNvPr>
+              <p:cNvSpPr txBox="1"/>
+              <p:nvPr/>
+            </p:nvSpPr>
+            <p:spPr>
+              <a:xfrm>
+                <a:off x="6526881" y="5511067"/>
+                <a:ext cx="626264" cy="558038"/>
+              </a:xfrm>
+              <a:prstGeom prst="rect">
+                <a:avLst/>
+              </a:prstGeom>
+              <a:noFill/>
+            </p:spPr>
+            <p:txBody>
+              <a:bodyPr wrap="square" rtlCol="0">
+                <a:spAutoFit/>
+              </a:bodyPr>
+              <a:lstStyle/>
+              <a:p>
+                <a:pPr algn="ctr">
+                  <a:lnSpc>
+                    <a:spcPct val="150000"/>
+                  </a:lnSpc>
+                </a:pPr>
+                <a14:m>
+                  <m:oMathPara xmlns:m="http://schemas.openxmlformats.org/officeDocument/2006/math">
+                    <m:oMathParaPr>
+                      <m:jc m:val="centerGroup"/>
+                    </m:oMathParaPr>
+                    <m:oMath xmlns:m="http://schemas.openxmlformats.org/officeDocument/2006/math">
+                      <m:r>
+                        <a:rPr lang="en-US" altLang="zh-CN" sz="1000" i="1" smtClean="0">
+                          <a:solidFill>
+                            <a:schemeClr val="bg1"/>
+                          </a:solidFill>
+                          <a:latin typeface="Cambria Math" panose="02040503050406030204" pitchFamily="18" charset="0"/>
+                        </a:rPr>
+                        <m:t>𝐴</m:t>
+                      </m:r>
+                    </m:oMath>
+                  </m:oMathPara>
+                </a14:m>
+                <a:endParaRPr lang="en-US" altLang="zh-CN" sz="1000" i="1" dirty="0">
+                  <a:solidFill>
+                    <a:schemeClr val="bg1"/>
+                  </a:solidFill>
+                  <a:latin typeface="Cambria Math" panose="02040503050406030204" pitchFamily="18" charset="0"/>
+                </a:endParaRPr>
+              </a:p>
+              <a:p>
+                <a:pPr algn="ctr">
+                  <a:lnSpc>
+                    <a:spcPct val="150000"/>
+                  </a:lnSpc>
+                </a:pPr>
+                <a14:m>
+                  <m:oMathPara xmlns:m="http://schemas.openxmlformats.org/officeDocument/2006/math">
+                    <m:oMathParaPr>
+                      <m:jc m:val="centerGroup"/>
+                    </m:oMathParaPr>
+                    <m:oMath xmlns:m="http://schemas.openxmlformats.org/officeDocument/2006/math">
+                      <m:sSup>
+                        <m:sSupPr>
+                          <m:ctrlPr>
+                            <a:rPr lang="en-US" altLang="zh-CN" sz="1000" b="0" i="1" smtClean="0">
+                              <a:solidFill>
+                                <a:schemeClr val="bg1"/>
+                              </a:solidFill>
+                              <a:latin typeface="Cambria Math" panose="02040503050406030204" pitchFamily="18" charset="0"/>
+                              <a:ea typeface="Cambria Math" panose="02040503050406030204" pitchFamily="18" charset="0"/>
+                            </a:rPr>
+                          </m:ctrlPr>
+                        </m:sSupPr>
+                        <m:e>
+                          <m:r>
+                            <a:rPr lang="en-US" altLang="zh-CN" sz="1000" b="0" i="1" smtClean="0">
+                              <a:solidFill>
+                                <a:schemeClr val="bg1"/>
+                              </a:solidFill>
+                              <a:latin typeface="Cambria Math" panose="02040503050406030204" pitchFamily="18" charset="0"/>
+                              <a:ea typeface="Cambria Math" panose="02040503050406030204" pitchFamily="18" charset="0"/>
+                            </a:rPr>
+                            <m:t>(</m:t>
+                          </m:r>
+                          <m:r>
+                            <a:rPr lang="en-US" altLang="zh-CN" sz="1000" i="1" dirty="0">
+                              <a:solidFill>
+                                <a:schemeClr val="bg1"/>
+                              </a:solidFill>
+                              <a:latin typeface="Cambria Math" panose="02040503050406030204" pitchFamily="18" charset="0"/>
+                              <a:ea typeface="Cambria Math" panose="02040503050406030204" pitchFamily="18" charset="0"/>
+                            </a:rPr>
+                            <m:t>ℝ</m:t>
+                          </m:r>
+                        </m:e>
+                        <m:sup>
+                          <m:r>
+                            <a:rPr lang="en-US" altLang="zh-CN" sz="1000" b="0" i="1" dirty="0" smtClean="0">
+                              <a:solidFill>
+                                <a:schemeClr val="bg1"/>
+                              </a:solidFill>
+                              <a:latin typeface="Cambria Math" panose="02040503050406030204" pitchFamily="18" charset="0"/>
+                              <a:ea typeface="Cambria Math" panose="02040503050406030204" pitchFamily="18" charset="0"/>
+                            </a:rPr>
+                            <m:t>𝑟</m:t>
+                          </m:r>
+                          <m:r>
+                            <a:rPr lang="zh-CN" altLang="en-US" sz="1000" i="1">
+                              <a:solidFill>
+                                <a:schemeClr val="bg1"/>
+                              </a:solidFill>
+                              <a:latin typeface="Cambria Math" panose="02040503050406030204" pitchFamily="18" charset="0"/>
+                              <a:ea typeface="Cambria Math" panose="02040503050406030204" pitchFamily="18" charset="0"/>
+                            </a:rPr>
+                            <m:t>×</m:t>
+                          </m:r>
+                          <m:r>
+                            <a:rPr lang="en-US" altLang="zh-CN" sz="1000" b="0" i="1" smtClean="0">
+                              <a:solidFill>
+                                <a:schemeClr val="bg1"/>
+                              </a:solidFill>
+                              <a:latin typeface="Cambria Math" panose="02040503050406030204" pitchFamily="18" charset="0"/>
+                              <a:ea typeface="Cambria Math" panose="02040503050406030204" pitchFamily="18" charset="0"/>
+                            </a:rPr>
+                            <m:t>𝑑</m:t>
+                          </m:r>
+                        </m:sup>
+                      </m:sSup>
+                      <m:r>
+                        <a:rPr lang="en-US" altLang="zh-CN" sz="1000" b="0" i="1" smtClean="0">
+                          <a:solidFill>
+                            <a:schemeClr val="bg1"/>
+                          </a:solidFill>
+                          <a:latin typeface="Cambria Math" panose="02040503050406030204" pitchFamily="18" charset="0"/>
+                          <a:ea typeface="Cambria Math" panose="02040503050406030204" pitchFamily="18" charset="0"/>
+                        </a:rPr>
+                        <m:t>)</m:t>
+                      </m:r>
+                    </m:oMath>
+                  </m:oMathPara>
+                </a14:m>
+                <a:endParaRPr lang="en-US" sz="1000" dirty="0">
+                  <a:solidFill>
+                    <a:schemeClr val="bg1"/>
+                  </a:solidFill>
+                </a:endParaRPr>
+              </a:p>
+            </p:txBody>
+          </p:sp>
+        </mc:Choice>
+        <mc:Fallback>
+          <p:sp>
+            <p:nvSpPr>
+              <p:cNvPr id="168" name="TextBox 167">
+                <a:extLst>
+                  <a:ext uri="{FF2B5EF4-FFF2-40B4-BE49-F238E27FC236}">
+                    <a16:creationId xmlns:a16="http://schemas.microsoft.com/office/drawing/2014/main" id="{DD00B9A5-BE14-046C-C9C1-087814BBC51A}"/>
+                  </a:ext>
+                </a:extLst>
+              </p:cNvPr>
+              <p:cNvSpPr txBox="1">
+                <a:spLocks noRot="1" noChangeAspect="1" noMove="1" noResize="1" noEditPoints="1" noAdjustHandles="1" noChangeArrowheads="1" noChangeShapeType="1" noTextEdit="1"/>
+              </p:cNvSpPr>
+              <p:nvPr/>
+            </p:nvSpPr>
+            <p:spPr>
+              <a:xfrm>
+                <a:off x="6526881" y="5511067"/>
+                <a:ext cx="626264" cy="558038"/>
+              </a:xfrm>
+              <a:prstGeom prst="rect">
+                <a:avLst/>
+              </a:prstGeom>
+              <a:blipFill>
+                <a:blip r:embed="rId6"/>
+                <a:stretch>
+                  <a:fillRect/>
+                </a:stretch>
+              </a:blipFill>
+            </p:spPr>
+            <p:txBody>
+              <a:bodyPr/>
+              <a:lstStyle/>
+              <a:p>
+                <a:r>
+                  <a:rPr lang="en-US">
+                    <a:noFill/>
+                  </a:rPr>
+                  <a:t> </a:t>
+                </a:r>
+              </a:p>
+            </p:txBody>
+          </p:sp>
+        </mc:Fallback>
+      </mc:AlternateContent>
+      <p:sp>
+        <p:nvSpPr>
+          <p:cNvPr id="169" name="Manual Operation 168">
+            <a:extLst>
+              <a:ext uri="{FF2B5EF4-FFF2-40B4-BE49-F238E27FC236}">
+                <a16:creationId xmlns:a16="http://schemas.microsoft.com/office/drawing/2014/main" id="{2BEE5055-A95B-5333-FA20-C143DFE640F2}"/>
+              </a:ext>
+            </a:extLst>
+          </p:cNvPr>
+          <p:cNvSpPr/>
+          <p:nvPr/>
+        </p:nvSpPr>
+        <p:spPr>
+          <a:xfrm rot="5400000">
+            <a:off x="6996448" y="5626646"/>
+            <a:ext cx="741975" cy="435812"/>
+          </a:xfrm>
+          <a:prstGeom prst="flowChartManualOperation">
+            <a:avLst/>
+          </a:prstGeom>
+        </p:spPr>
+        <p:style>
+          <a:lnRef idx="2">
+            <a:schemeClr val="accent1">
+              <a:shade val="15000"/>
+            </a:schemeClr>
+          </a:lnRef>
+          <a:fillRef idx="1">
+            <a:schemeClr val="accent1"/>
+          </a:fillRef>
+          <a:effectRef idx="0">
+            <a:schemeClr val="accent1"/>
+          </a:effectRef>
+          <a:fontRef idx="minor">
+            <a:schemeClr val="lt1"/>
+          </a:fontRef>
+        </p:style>
+        <p:txBody>
+          <a:bodyPr rtlCol="0" anchor="ctr"/>
+          <a:lstStyle/>
+          <a:p>
+            <a:pPr algn="ctr"/>
+            <a:endParaRPr lang="en-US"/>
+          </a:p>
+        </p:txBody>
+      </p:sp>
+      <mc:AlternateContent xmlns:mc="http://schemas.openxmlformats.org/markup-compatibility/2006">
+        <mc:Choice xmlns:a14="http://schemas.microsoft.com/office/drawing/2010/main" Requires="a14">
+          <p:sp>
+            <p:nvSpPr>
+              <p:cNvPr id="170" name="TextBox 169">
+                <a:extLst>
+                  <a:ext uri="{FF2B5EF4-FFF2-40B4-BE49-F238E27FC236}">
+                    <a16:creationId xmlns:a16="http://schemas.microsoft.com/office/drawing/2014/main" id="{2087E1CA-CB71-99B3-080B-908771B0F034}"/>
+                  </a:ext>
+                </a:extLst>
+              </p:cNvPr>
+              <p:cNvSpPr txBox="1"/>
+              <p:nvPr/>
+            </p:nvSpPr>
+            <p:spPr>
+              <a:xfrm>
+                <a:off x="7062558" y="5505886"/>
+                <a:ext cx="626264" cy="533351"/>
+              </a:xfrm>
+              <a:prstGeom prst="rect">
+                <a:avLst/>
+              </a:prstGeom>
+              <a:noFill/>
+            </p:spPr>
+            <p:txBody>
+              <a:bodyPr wrap="square" rtlCol="0">
+                <a:spAutoFit/>
+              </a:bodyPr>
+              <a:lstStyle/>
+              <a:p>
+                <a:pPr algn="ctr">
+                  <a:lnSpc>
+                    <a:spcPct val="150000"/>
+                  </a:lnSpc>
+                </a:pPr>
+                <a14:m>
+                  <m:oMathPara xmlns:m="http://schemas.openxmlformats.org/officeDocument/2006/math">
+                    <m:oMathParaPr>
+                      <m:jc m:val="centerGroup"/>
+                    </m:oMathParaPr>
+                    <m:oMath xmlns:m="http://schemas.openxmlformats.org/officeDocument/2006/math">
+                      <m:r>
+                        <a:rPr lang="en-US" altLang="zh-CN" sz="1000" b="0" i="1" smtClean="0">
+                          <a:solidFill>
+                            <a:schemeClr val="bg1"/>
+                          </a:solidFill>
+                          <a:latin typeface="Cambria Math" panose="02040503050406030204" pitchFamily="18" charset="0"/>
+                        </a:rPr>
+                        <m:t>𝐵</m:t>
+                      </m:r>
+                    </m:oMath>
+                  </m:oMathPara>
+                </a14:m>
+                <a:endParaRPr lang="en-US" altLang="zh-CN" sz="1000" b="0" i="1" dirty="0">
+                  <a:solidFill>
+                    <a:schemeClr val="bg1"/>
+                  </a:solidFill>
+                  <a:latin typeface="Cambria Math" panose="02040503050406030204" pitchFamily="18" charset="0"/>
+                </a:endParaRPr>
+              </a:p>
+              <a:p>
+                <a:pPr algn="ctr">
+                  <a:lnSpc>
+                    <a:spcPct val="150000"/>
+                  </a:lnSpc>
+                </a:pPr>
+                <a:r>
+                  <a:rPr lang="en-US" altLang="zh-CN" sz="1000" b="0" dirty="0">
+                    <a:solidFill>
+                      <a:schemeClr val="bg1"/>
+                    </a:solidFill>
+                    <a:ea typeface="Cambria Math" panose="02040503050406030204" pitchFamily="18" charset="0"/>
+                  </a:rPr>
+                  <a:t>(</a:t>
+                </a:r>
+                <a14:m>
+                  <m:oMath xmlns:m="http://schemas.openxmlformats.org/officeDocument/2006/math">
+                    <m:sSup>
+                      <m:sSupPr>
+                        <m:ctrlPr>
+                          <a:rPr lang="en-US" altLang="zh-CN" sz="1000" b="0" i="1" smtClean="0">
+                            <a:solidFill>
+                              <a:schemeClr val="bg1"/>
+                            </a:solidFill>
+                            <a:latin typeface="Cambria Math" panose="02040503050406030204" pitchFamily="18" charset="0"/>
+                            <a:ea typeface="Cambria Math" panose="02040503050406030204" pitchFamily="18" charset="0"/>
+                          </a:rPr>
+                        </m:ctrlPr>
+                      </m:sSupPr>
+                      <m:e>
+                        <m:r>
+                          <a:rPr lang="en-US" altLang="zh-CN" sz="1000" i="1" dirty="0">
+                            <a:solidFill>
+                              <a:schemeClr val="bg1"/>
+                            </a:solidFill>
+                            <a:latin typeface="Cambria Math" panose="02040503050406030204" pitchFamily="18" charset="0"/>
+                            <a:ea typeface="Cambria Math" panose="02040503050406030204" pitchFamily="18" charset="0"/>
+                          </a:rPr>
+                          <m:t>ℝ</m:t>
+                        </m:r>
+                      </m:e>
+                      <m:sup>
+                        <m:r>
+                          <a:rPr lang="en-US" altLang="zh-CN" sz="1000" b="0" i="1" dirty="0" smtClean="0">
+                            <a:solidFill>
+                              <a:schemeClr val="bg1"/>
+                            </a:solidFill>
+                            <a:latin typeface="Cambria Math" panose="02040503050406030204" pitchFamily="18" charset="0"/>
+                            <a:ea typeface="Cambria Math" panose="02040503050406030204" pitchFamily="18" charset="0"/>
+                          </a:rPr>
+                          <m:t>𝑟</m:t>
+                        </m:r>
+                        <m:r>
+                          <a:rPr lang="zh-CN" altLang="en-US" sz="1000" i="1">
+                            <a:solidFill>
+                              <a:schemeClr val="bg1"/>
+                            </a:solidFill>
+                            <a:latin typeface="Cambria Math" panose="02040503050406030204" pitchFamily="18" charset="0"/>
+                            <a:ea typeface="Cambria Math" panose="02040503050406030204" pitchFamily="18" charset="0"/>
+                          </a:rPr>
+                          <m:t>×</m:t>
+                        </m:r>
+                        <m:r>
+                          <a:rPr lang="en-US" altLang="zh-CN" sz="1000" b="0" i="1" smtClean="0">
+                            <a:solidFill>
+                              <a:schemeClr val="bg1"/>
+                            </a:solidFill>
+                            <a:latin typeface="Cambria Math" panose="02040503050406030204" pitchFamily="18" charset="0"/>
+                            <a:ea typeface="Cambria Math" panose="02040503050406030204" pitchFamily="18" charset="0"/>
+                          </a:rPr>
+                          <m:t>𝑑</m:t>
+                        </m:r>
+                      </m:sup>
+                    </m:sSup>
+                  </m:oMath>
+                </a14:m>
+                <a:r>
+                  <a:rPr lang="en-US" altLang="zh-CN" sz="1000" dirty="0">
+                    <a:solidFill>
+                      <a:schemeClr val="bg1"/>
+                    </a:solidFill>
+                  </a:rPr>
+                  <a:t>)</a:t>
+                </a:r>
+                <a:endParaRPr lang="en-US" sz="1000" dirty="0">
+                  <a:solidFill>
+                    <a:schemeClr val="bg1"/>
+                  </a:solidFill>
+                </a:endParaRPr>
+              </a:p>
+            </p:txBody>
+          </p:sp>
+        </mc:Choice>
+        <mc:Fallback>
+          <p:sp>
+            <p:nvSpPr>
+              <p:cNvPr id="170" name="TextBox 169">
+                <a:extLst>
+                  <a:ext uri="{FF2B5EF4-FFF2-40B4-BE49-F238E27FC236}">
+                    <a16:creationId xmlns:a16="http://schemas.microsoft.com/office/drawing/2014/main" id="{2087E1CA-CB71-99B3-080B-908771B0F034}"/>
+                  </a:ext>
+                </a:extLst>
+              </p:cNvPr>
+              <p:cNvSpPr txBox="1">
+                <a:spLocks noRot="1" noChangeAspect="1" noMove="1" noResize="1" noEditPoints="1" noAdjustHandles="1" noChangeArrowheads="1" noChangeShapeType="1" noTextEdit="1"/>
+              </p:cNvSpPr>
+              <p:nvPr/>
+            </p:nvSpPr>
+            <p:spPr>
+              <a:xfrm>
+                <a:off x="7062558" y="5505886"/>
+                <a:ext cx="626264" cy="533351"/>
+              </a:xfrm>
+              <a:prstGeom prst="rect">
+                <a:avLst/>
+              </a:prstGeom>
+              <a:blipFill>
+                <a:blip r:embed="rId7"/>
+                <a:stretch>
+                  <a:fillRect b="-6977"/>
+                </a:stretch>
+              </a:blipFill>
+            </p:spPr>
+            <p:txBody>
+              <a:bodyPr/>
+              <a:lstStyle/>
+              <a:p>
+                <a:r>
+                  <a:rPr lang="en-US">
+                    <a:noFill/>
+                  </a:rPr>
+                  <a:t> </a:t>
+                </a:r>
+              </a:p>
+            </p:txBody>
+          </p:sp>
+        </mc:Fallback>
+      </mc:AlternateContent>
+      <p:cxnSp>
+        <p:nvCxnSpPr>
+          <p:cNvPr id="171" name="Straight Arrow Connector 170">
+            <a:extLst>
+              <a:ext uri="{FF2B5EF4-FFF2-40B4-BE49-F238E27FC236}">
+                <a16:creationId xmlns:a16="http://schemas.microsoft.com/office/drawing/2014/main" id="{F09EEFCA-D79C-4157-1BF6-1781355F7AC2}"/>
+              </a:ext>
+            </a:extLst>
+          </p:cNvPr>
+          <p:cNvCxnSpPr>
+            <a:cxnSpLocks/>
+          </p:cNvCxnSpPr>
+          <p:nvPr/>
+        </p:nvCxnSpPr>
+        <p:spPr>
+          <a:xfrm>
+            <a:off x="7236684" y="4318888"/>
+            <a:ext cx="760627" cy="0"/>
+          </a:xfrm>
+          <a:prstGeom prst="straightConnector1">
+            <a:avLst/>
+          </a:prstGeom>
+          <a:ln>
+            <a:solidFill>
+              <a:schemeClr val="bg1"/>
+            </a:solidFill>
+            <a:tailEnd type="triangle"/>
+          </a:ln>
+        </p:spPr>
+        <p:style>
+          <a:lnRef idx="2">
+            <a:schemeClr val="accent1"/>
+          </a:lnRef>
+          <a:fillRef idx="0">
+            <a:schemeClr val="accent1"/>
+          </a:fillRef>
+          <a:effectRef idx="1">
+            <a:schemeClr val="accent1"/>
+          </a:effectRef>
+          <a:fontRef idx="minor">
+            <a:schemeClr val="tx1"/>
+          </a:fontRef>
+        </p:style>
+      </p:cxnSp>
+      <p:cxnSp>
+        <p:nvCxnSpPr>
+          <p:cNvPr id="172" name="Straight Arrow Connector 171">
+            <a:extLst>
+              <a:ext uri="{FF2B5EF4-FFF2-40B4-BE49-F238E27FC236}">
+                <a16:creationId xmlns:a16="http://schemas.microsoft.com/office/drawing/2014/main" id="{0F2EE287-7887-8682-08A4-E491269340AF}"/>
+              </a:ext>
+            </a:extLst>
+          </p:cNvPr>
+          <p:cNvCxnSpPr>
+            <a:cxnSpLocks/>
+          </p:cNvCxnSpPr>
+          <p:nvPr/>
+        </p:nvCxnSpPr>
+        <p:spPr>
+          <a:xfrm>
+            <a:off x="7259353" y="5082058"/>
+            <a:ext cx="737958" cy="0"/>
+          </a:xfrm>
+          <a:prstGeom prst="straightConnector1">
+            <a:avLst/>
+          </a:prstGeom>
+          <a:ln>
+            <a:solidFill>
+              <a:schemeClr val="bg1"/>
+            </a:solidFill>
+            <a:tailEnd type="triangle"/>
+          </a:ln>
+        </p:spPr>
+        <p:style>
+          <a:lnRef idx="2">
+            <a:schemeClr val="accent1"/>
+          </a:lnRef>
+          <a:fillRef idx="0">
+            <a:schemeClr val="accent1"/>
+          </a:fillRef>
+          <a:effectRef idx="1">
+            <a:schemeClr val="accent1"/>
+          </a:effectRef>
+          <a:fontRef idx="minor">
+            <a:schemeClr val="tx1"/>
+          </a:fontRef>
+        </p:style>
+      </p:cxnSp>
+      <p:cxnSp>
+        <p:nvCxnSpPr>
+          <p:cNvPr id="173" name="Straight Arrow Connector 172">
+            <a:extLst>
+              <a:ext uri="{FF2B5EF4-FFF2-40B4-BE49-F238E27FC236}">
+                <a16:creationId xmlns:a16="http://schemas.microsoft.com/office/drawing/2014/main" id="{579E0AE0-AA6B-3E7E-6EFC-142213B68C51}"/>
+              </a:ext>
+            </a:extLst>
+          </p:cNvPr>
+          <p:cNvCxnSpPr>
+            <a:cxnSpLocks/>
+          </p:cNvCxnSpPr>
+          <p:nvPr/>
+        </p:nvCxnSpPr>
+        <p:spPr>
+          <a:xfrm>
+            <a:off x="7631551" y="5857954"/>
+            <a:ext cx="365760" cy="0"/>
+          </a:xfrm>
+          <a:prstGeom prst="straightConnector1">
+            <a:avLst/>
+          </a:prstGeom>
+          <a:ln>
+            <a:solidFill>
+              <a:schemeClr val="bg1"/>
+            </a:solidFill>
+            <a:tailEnd type="triangle"/>
+          </a:ln>
+        </p:spPr>
+        <p:style>
+          <a:lnRef idx="2">
+            <a:schemeClr val="accent1"/>
+          </a:lnRef>
+          <a:fillRef idx="0">
+            <a:schemeClr val="accent1"/>
+          </a:fillRef>
+          <a:effectRef idx="1">
+            <a:schemeClr val="accent1"/>
+          </a:effectRef>
+          <a:fontRef idx="minor">
+            <a:schemeClr val="tx1"/>
+          </a:fontRef>
+        </p:style>
+      </p:cxnSp>
+      <p:sp>
+        <p:nvSpPr>
+          <p:cNvPr id="175" name="Rectangle 174">
+            <a:extLst>
+              <a:ext uri="{FF2B5EF4-FFF2-40B4-BE49-F238E27FC236}">
+                <a16:creationId xmlns:a16="http://schemas.microsoft.com/office/drawing/2014/main" id="{9BDF8C7F-C8B1-3691-8F64-4504B0DE5385}"/>
+              </a:ext>
+            </a:extLst>
+          </p:cNvPr>
+          <p:cNvSpPr/>
+          <p:nvPr/>
+        </p:nvSpPr>
+        <p:spPr>
+          <a:xfrm>
+            <a:off x="8000436" y="4991433"/>
+            <a:ext cx="195728" cy="956324"/>
+          </a:xfrm>
+          <a:prstGeom prst="rect">
+            <a:avLst/>
+          </a:prstGeom>
+          <a:ln>
+            <a:noFill/>
+          </a:ln>
+        </p:spPr>
+        <p:style>
+          <a:lnRef idx="2">
+            <a:schemeClr val="accent5">
+              <a:shade val="15000"/>
+            </a:schemeClr>
+          </a:lnRef>
+          <a:fillRef idx="1">
+            <a:schemeClr val="accent5"/>
+          </a:fillRef>
+          <a:effectRef idx="0">
+            <a:schemeClr val="accent5"/>
+          </a:effectRef>
+          <a:fontRef idx="minor">
+            <a:schemeClr val="lt1"/>
+          </a:fontRef>
+        </p:style>
+        <p:txBody>
+          <a:bodyPr rtlCol="0" anchor="ctr"/>
+          <a:lstStyle/>
+          <a:p>
+            <a:pPr algn="ctr"/>
+            <a:endParaRPr lang="en-US"/>
+          </a:p>
+        </p:txBody>
+      </p:sp>
+      <mc:AlternateContent xmlns:mc="http://schemas.openxmlformats.org/markup-compatibility/2006">
+        <mc:Choice xmlns:a14="http://schemas.microsoft.com/office/drawing/2010/main" Requires="a14">
+          <p:sp>
+            <p:nvSpPr>
+              <p:cNvPr id="176" name="TextBox 175">
+                <a:extLst>
+                  <a:ext uri="{FF2B5EF4-FFF2-40B4-BE49-F238E27FC236}">
+                    <a16:creationId xmlns:a16="http://schemas.microsoft.com/office/drawing/2014/main" id="{9E227BDF-DD58-CBAD-88CD-DF4F8F7116DB}"/>
+                  </a:ext>
+                </a:extLst>
+              </p:cNvPr>
+              <p:cNvSpPr txBox="1"/>
+              <p:nvPr/>
+            </p:nvSpPr>
+            <p:spPr>
+              <a:xfrm>
+                <a:off x="7688822" y="5922282"/>
+                <a:ext cx="810158" cy="280333"/>
+              </a:xfrm>
+              <a:prstGeom prst="rect">
+                <a:avLst/>
+              </a:prstGeom>
+              <a:noFill/>
+            </p:spPr>
+            <p:txBody>
+              <a:bodyPr wrap="none" rtlCol="0">
+                <a:spAutoFit/>
+              </a:bodyPr>
+              <a:lstStyle/>
+              <a:p>
+                <a14:m>
+                  <m:oMathPara xmlns:m="http://schemas.openxmlformats.org/officeDocument/2006/math">
+                    <m:oMathParaPr>
+                      <m:jc m:val="centerGroup"/>
+                    </m:oMathParaPr>
+                    <m:oMath xmlns:m="http://schemas.openxmlformats.org/officeDocument/2006/math">
+                      <m:sSup>
+                        <m:sSupPr>
+                          <m:ctrlPr>
+                            <a:rPr lang="en-US" altLang="zh-CN" sz="1200" i="1" dirty="0" smtClean="0">
+                              <a:solidFill>
+                                <a:schemeClr val="bg1"/>
+                              </a:solidFill>
+                              <a:latin typeface="Cambria Math" panose="02040503050406030204" pitchFamily="18" charset="0"/>
+                              <a:ea typeface="Cambria Math" panose="02040503050406030204" pitchFamily="18" charset="0"/>
+                            </a:rPr>
+                          </m:ctrlPr>
+                        </m:sSupPr>
+                        <m:e>
+                          <m:r>
+                            <a:rPr lang="en-US" altLang="zh-CN" sz="1200" b="0" i="1" dirty="0" smtClean="0">
+                              <a:solidFill>
+                                <a:schemeClr val="bg1"/>
+                              </a:solidFill>
+                              <a:latin typeface="Cambria Math" panose="02040503050406030204" pitchFamily="18" charset="0"/>
+                              <a:ea typeface="Cambria Math" panose="02040503050406030204" pitchFamily="18" charset="0"/>
+                            </a:rPr>
+                            <m:t>h</m:t>
+                          </m:r>
+                          <m:r>
+                            <a:rPr lang="zh-CN" altLang="en-US" sz="1200" i="1" smtClean="0">
+                              <a:solidFill>
+                                <a:schemeClr val="bg1"/>
+                              </a:solidFill>
+                              <a:latin typeface="Cambria Math" panose="02040503050406030204" pitchFamily="18" charset="0"/>
+                            </a:rPr>
+                            <m:t>∈</m:t>
+                          </m:r>
+                          <m:r>
+                            <a:rPr lang="en-US" altLang="zh-CN" sz="1200" i="1" dirty="0" smtClean="0">
+                              <a:solidFill>
+                                <a:schemeClr val="bg1"/>
+                              </a:solidFill>
+                              <a:latin typeface="Cambria Math" panose="02040503050406030204" pitchFamily="18" charset="0"/>
+                              <a:ea typeface="Cambria Math" panose="02040503050406030204" pitchFamily="18" charset="0"/>
+                            </a:rPr>
+                            <m:t>ℝ</m:t>
+                          </m:r>
+                        </m:e>
+                        <m:sup>
+                          <m:r>
+                            <a:rPr lang="en-US" altLang="zh-CN" sz="1200" b="0" i="1" dirty="0" smtClean="0">
+                              <a:solidFill>
+                                <a:schemeClr val="bg1"/>
+                              </a:solidFill>
+                              <a:latin typeface="Cambria Math" panose="02040503050406030204" pitchFamily="18" charset="0"/>
+                              <a:ea typeface="Cambria Math" panose="02040503050406030204" pitchFamily="18" charset="0"/>
+                            </a:rPr>
+                            <m:t>1</m:t>
+                          </m:r>
+                          <m:r>
+                            <a:rPr lang="en-US" altLang="zh-CN" sz="1200" b="0" i="1" dirty="0" smtClean="0">
+                              <a:solidFill>
+                                <a:schemeClr val="bg1"/>
+                              </a:solidFill>
+                              <a:latin typeface="Cambria Math" panose="02040503050406030204" pitchFamily="18" charset="0"/>
+                              <a:ea typeface="Cambria Math" panose="02040503050406030204" pitchFamily="18" charset="0"/>
+                            </a:rPr>
+                            <m:t>𝑥𝑑</m:t>
+                          </m:r>
+                        </m:sup>
+                      </m:sSup>
+                    </m:oMath>
+                  </m:oMathPara>
+                </a14:m>
+                <a:endParaRPr lang="en-US" sz="1200" dirty="0">
+                  <a:solidFill>
+                    <a:schemeClr val="bg1"/>
+                  </a:solidFill>
+                </a:endParaRPr>
+              </a:p>
+            </p:txBody>
+          </p:sp>
+        </mc:Choice>
+        <mc:Fallback>
+          <p:sp>
+            <p:nvSpPr>
+              <p:cNvPr id="176" name="TextBox 175">
+                <a:extLst>
+                  <a:ext uri="{FF2B5EF4-FFF2-40B4-BE49-F238E27FC236}">
+                    <a16:creationId xmlns:a16="http://schemas.microsoft.com/office/drawing/2014/main" id="{9E227BDF-DD58-CBAD-88CD-DF4F8F7116DB}"/>
+                  </a:ext>
+                </a:extLst>
+              </p:cNvPr>
+              <p:cNvSpPr txBox="1">
+                <a:spLocks noRot="1" noChangeAspect="1" noMove="1" noResize="1" noEditPoints="1" noAdjustHandles="1" noChangeArrowheads="1" noChangeShapeType="1" noTextEdit="1"/>
+              </p:cNvSpPr>
+              <p:nvPr/>
+            </p:nvSpPr>
+            <p:spPr>
+              <a:xfrm>
+                <a:off x="7688822" y="5922282"/>
+                <a:ext cx="810158" cy="280333"/>
+              </a:xfrm>
+              <a:prstGeom prst="rect">
+                <a:avLst/>
+              </a:prstGeom>
+              <a:blipFill>
+                <a:blip r:embed="rId8"/>
+                <a:stretch>
+                  <a:fillRect/>
+                </a:stretch>
+              </a:blipFill>
+            </p:spPr>
+            <p:txBody>
+              <a:bodyPr/>
+              <a:lstStyle/>
+              <a:p>
+                <a:r>
+                  <a:rPr lang="en-US">
+                    <a:noFill/>
+                  </a:rPr>
+                  <a:t> </a:t>
+                </a:r>
+              </a:p>
+            </p:txBody>
+          </p:sp>
+        </mc:Fallback>
+      </mc:AlternateContent>
+      <p:cxnSp>
+        <p:nvCxnSpPr>
+          <p:cNvPr id="178" name="Straight Arrow Connector 177">
+            <a:extLst>
+              <a:ext uri="{FF2B5EF4-FFF2-40B4-BE49-F238E27FC236}">
+                <a16:creationId xmlns:a16="http://schemas.microsoft.com/office/drawing/2014/main" id="{6D4A5962-090F-0DF9-B2FE-2C8EE16015AB}"/>
+              </a:ext>
+            </a:extLst>
+          </p:cNvPr>
+          <p:cNvCxnSpPr>
+            <a:cxnSpLocks/>
+          </p:cNvCxnSpPr>
+          <p:nvPr/>
+        </p:nvCxnSpPr>
+        <p:spPr>
+          <a:xfrm>
+            <a:off x="8197530" y="5493469"/>
+            <a:ext cx="471711" cy="12417"/>
+          </a:xfrm>
+          <a:prstGeom prst="straightConnector1">
+            <a:avLst/>
+          </a:prstGeom>
+          <a:ln>
+            <a:solidFill>
+              <a:schemeClr val="bg1"/>
+            </a:solidFill>
+            <a:tailEnd type="triangle"/>
+          </a:ln>
+        </p:spPr>
+        <p:style>
+          <a:lnRef idx="2">
+            <a:schemeClr val="accent1"/>
+          </a:lnRef>
+          <a:fillRef idx="0">
+            <a:schemeClr val="accent1"/>
+          </a:fillRef>
+          <a:effectRef idx="1">
+            <a:schemeClr val="accent1"/>
+          </a:effectRef>
+          <a:fontRef idx="minor">
+            <a:schemeClr val="tx1"/>
+          </a:fontRef>
+        </p:style>
+      </p:cxnSp>
+      <p:sp>
+        <p:nvSpPr>
+          <p:cNvPr id="183" name="Rounded Rectangle 182">
+            <a:extLst>
+              <a:ext uri="{FF2B5EF4-FFF2-40B4-BE49-F238E27FC236}">
+                <a16:creationId xmlns:a16="http://schemas.microsoft.com/office/drawing/2014/main" id="{60BCF199-B1D8-AB36-EDAF-3DF22E5D9884}"/>
+              </a:ext>
+            </a:extLst>
+          </p:cNvPr>
+          <p:cNvSpPr/>
+          <p:nvPr/>
+        </p:nvSpPr>
+        <p:spPr>
+          <a:xfrm>
+            <a:off x="8669242" y="3997281"/>
+            <a:ext cx="340752" cy="2041955"/>
+          </a:xfrm>
+          <a:prstGeom prst="roundRect">
+            <a:avLst/>
+          </a:prstGeom>
+        </p:spPr>
+        <p:style>
+          <a:lnRef idx="2">
+            <a:schemeClr val="accent1">
+              <a:shade val="15000"/>
+            </a:schemeClr>
+          </a:lnRef>
+          <a:fillRef idx="1">
+            <a:schemeClr val="accent1"/>
+          </a:fillRef>
+          <a:effectRef idx="0">
+            <a:schemeClr val="accent1"/>
+          </a:effectRef>
+          <a:fontRef idx="minor">
+            <a:schemeClr val="lt1"/>
+          </a:fontRef>
+        </p:style>
+        <p:txBody>
+          <a:bodyPr rtlCol="0" anchor="ctr"/>
+          <a:lstStyle/>
+          <a:p>
+            <a:pPr algn="ctr"/>
+            <a:endParaRPr lang="en-US"/>
+          </a:p>
+        </p:txBody>
+      </p:sp>
+      <p:sp>
+        <p:nvSpPr>
+          <p:cNvPr id="182" name="TextBox 181">
+            <a:extLst>
+              <a:ext uri="{FF2B5EF4-FFF2-40B4-BE49-F238E27FC236}">
+                <a16:creationId xmlns:a16="http://schemas.microsoft.com/office/drawing/2014/main" id="{D9A03467-967C-E43F-D462-4629B8F8C385}"/>
               </a:ext>
             </a:extLst>
           </p:cNvPr>
@@ -7690,9 +9325,9 @@
           <p:nvPr/>
         </p:nvSpPr>
         <p:spPr>
-          <a:xfrm>
-            <a:off x="8039991" y="2030184"/>
-            <a:ext cx="362600" cy="338554"/>
+          <a:xfrm rot="5400000">
+            <a:off x="7904395" y="4917950"/>
+            <a:ext cx="1941237" cy="246221"/>
           </a:xfrm>
           <a:prstGeom prst="rect">
             <a:avLst/>
@@ -7700,22 +9335,522 @@
           <a:noFill/>
         </p:spPr>
         <p:txBody>
-          <a:bodyPr wrap="none" rtlCol="0">
+          <a:bodyPr wrap="square" rtlCol="0">
             <a:spAutoFit/>
           </a:bodyPr>
           <a:lstStyle/>
           <a:p>
-            <a:r>
-              <a:rPr lang="en-US" altLang="zh-CN" sz="1600" dirty="0">
+            <a:pPr algn="ctr"/>
+            <a:r>
+              <a:rPr lang="en-US" altLang="zh-CN" sz="1000" dirty="0" err="1">
                 <a:solidFill>
                   <a:schemeClr val="bg1"/>
                 </a:solidFill>
               </a:rPr>
-              <a:t>...</a:t>
-            </a:r>
-            <a:endParaRPr lang="en-US" sz="1600" dirty="0">
+              <a:t>MatMul</a:t>
+            </a:r>
+            <a:endParaRPr lang="en-US" sz="1000" dirty="0">
               <a:solidFill>
                 <a:schemeClr val="bg1"/>
+              </a:solidFill>
+            </a:endParaRPr>
+          </a:p>
+        </p:txBody>
+      </p:sp>
+      <p:sp>
+        <p:nvSpPr>
+          <p:cNvPr id="185" name="Rounded Rectangle 184">
+            <a:extLst>
+              <a:ext uri="{FF2B5EF4-FFF2-40B4-BE49-F238E27FC236}">
+                <a16:creationId xmlns:a16="http://schemas.microsoft.com/office/drawing/2014/main" id="{94F48ACF-AC2D-5D11-9A68-D294E9A712BB}"/>
+              </a:ext>
+            </a:extLst>
+          </p:cNvPr>
+          <p:cNvSpPr/>
+          <p:nvPr/>
+        </p:nvSpPr>
+        <p:spPr>
+          <a:xfrm>
+            <a:off x="8011711" y="3932212"/>
+            <a:ext cx="298605" cy="830528"/>
+          </a:xfrm>
+          <a:prstGeom prst="roundRect">
+            <a:avLst/>
+          </a:prstGeom>
+        </p:spPr>
+        <p:style>
+          <a:lnRef idx="2">
+            <a:schemeClr val="accent1">
+              <a:shade val="15000"/>
+            </a:schemeClr>
+          </a:lnRef>
+          <a:fillRef idx="1">
+            <a:schemeClr val="accent1"/>
+          </a:fillRef>
+          <a:effectRef idx="0">
+            <a:schemeClr val="accent1"/>
+          </a:effectRef>
+          <a:fontRef idx="minor">
+            <a:schemeClr val="lt1"/>
+          </a:fontRef>
+        </p:style>
+        <p:txBody>
+          <a:bodyPr rtlCol="0" anchor="ctr"/>
+          <a:lstStyle/>
+          <a:p>
+            <a:pPr algn="ctr"/>
+            <a:endParaRPr lang="en-US"/>
+          </a:p>
+        </p:txBody>
+      </p:sp>
+      <p:sp>
+        <p:nvSpPr>
+          <p:cNvPr id="186" name="TextBox 185">
+            <a:extLst>
+              <a:ext uri="{FF2B5EF4-FFF2-40B4-BE49-F238E27FC236}">
+                <a16:creationId xmlns:a16="http://schemas.microsoft.com/office/drawing/2014/main" id="{68938417-347C-6831-8ED9-021C51E36EEE}"/>
+              </a:ext>
+            </a:extLst>
+          </p:cNvPr>
+          <p:cNvSpPr txBox="1"/>
+          <p:nvPr/>
+        </p:nvSpPr>
+        <p:spPr>
+          <a:xfrm rot="5400000">
+            <a:off x="7772938" y="4217582"/>
+            <a:ext cx="789564" cy="246221"/>
+          </a:xfrm>
+          <a:prstGeom prst="rect">
+            <a:avLst/>
+          </a:prstGeom>
+          <a:noFill/>
+        </p:spPr>
+        <p:txBody>
+          <a:bodyPr wrap="square" rtlCol="0">
+            <a:spAutoFit/>
+          </a:bodyPr>
+          <a:lstStyle/>
+          <a:p>
+            <a:pPr algn="ctr"/>
+            <a:r>
+              <a:rPr lang="en-US" altLang="zh-CN" sz="1000" dirty="0">
+                <a:solidFill>
+                  <a:schemeClr val="bg1"/>
+                </a:solidFill>
+              </a:rPr>
+              <a:t>SoftMax</a:t>
+            </a:r>
+            <a:endParaRPr lang="en-US" sz="1000" dirty="0">
+              <a:solidFill>
+                <a:schemeClr val="bg1"/>
+              </a:solidFill>
+            </a:endParaRPr>
+          </a:p>
+        </p:txBody>
+      </p:sp>
+      <p:cxnSp>
+        <p:nvCxnSpPr>
+          <p:cNvPr id="187" name="Straight Arrow Connector 186">
+            <a:extLst>
+              <a:ext uri="{FF2B5EF4-FFF2-40B4-BE49-F238E27FC236}">
+                <a16:creationId xmlns:a16="http://schemas.microsoft.com/office/drawing/2014/main" id="{93E3B9C5-65DC-F879-AE22-717B757C0C08}"/>
+              </a:ext>
+            </a:extLst>
+          </p:cNvPr>
+          <p:cNvCxnSpPr>
+            <a:cxnSpLocks/>
+          </p:cNvCxnSpPr>
+          <p:nvPr/>
+        </p:nvCxnSpPr>
+        <p:spPr>
+          <a:xfrm>
+            <a:off x="8318396" y="4322561"/>
+            <a:ext cx="350845" cy="0"/>
+          </a:xfrm>
+          <a:prstGeom prst="straightConnector1">
+            <a:avLst/>
+          </a:prstGeom>
+          <a:ln>
+            <a:solidFill>
+              <a:schemeClr val="bg1"/>
+            </a:solidFill>
+            <a:tailEnd type="triangle"/>
+          </a:ln>
+        </p:spPr>
+        <p:style>
+          <a:lnRef idx="2">
+            <a:schemeClr val="accent1"/>
+          </a:lnRef>
+          <a:fillRef idx="0">
+            <a:schemeClr val="accent1"/>
+          </a:fillRef>
+          <a:effectRef idx="1">
+            <a:schemeClr val="accent1"/>
+          </a:effectRef>
+          <a:fontRef idx="minor">
+            <a:schemeClr val="tx1"/>
+          </a:fontRef>
+        </p:style>
+      </p:cxnSp>
+      <p:cxnSp>
+        <p:nvCxnSpPr>
+          <p:cNvPr id="190" name="Straight Arrow Connector 189">
+            <a:extLst>
+              <a:ext uri="{FF2B5EF4-FFF2-40B4-BE49-F238E27FC236}">
+                <a16:creationId xmlns:a16="http://schemas.microsoft.com/office/drawing/2014/main" id="{2F5FE163-A619-2E5F-F341-AB3523A53311}"/>
+              </a:ext>
+            </a:extLst>
+          </p:cNvPr>
+          <p:cNvCxnSpPr>
+            <a:cxnSpLocks/>
+          </p:cNvCxnSpPr>
+          <p:nvPr/>
+        </p:nvCxnSpPr>
+        <p:spPr>
+          <a:xfrm>
+            <a:off x="9038970" y="5055803"/>
+            <a:ext cx="365833" cy="0"/>
+          </a:xfrm>
+          <a:prstGeom prst="straightConnector1">
+            <a:avLst/>
+          </a:prstGeom>
+          <a:ln>
+            <a:solidFill>
+              <a:schemeClr val="bg1"/>
+            </a:solidFill>
+            <a:tailEnd type="triangle"/>
+          </a:ln>
+        </p:spPr>
+        <p:style>
+          <a:lnRef idx="2">
+            <a:schemeClr val="accent1"/>
+          </a:lnRef>
+          <a:fillRef idx="0">
+            <a:schemeClr val="accent1"/>
+          </a:fillRef>
+          <a:effectRef idx="1">
+            <a:schemeClr val="accent1"/>
+          </a:effectRef>
+          <a:fontRef idx="minor">
+            <a:schemeClr val="tx1"/>
+          </a:fontRef>
+        </p:style>
+      </p:cxnSp>
+      <p:sp>
+        <p:nvSpPr>
+          <p:cNvPr id="192" name="Rounded Rectangle 191">
+            <a:extLst>
+              <a:ext uri="{FF2B5EF4-FFF2-40B4-BE49-F238E27FC236}">
+                <a16:creationId xmlns:a16="http://schemas.microsoft.com/office/drawing/2014/main" id="{CF53A6B5-64B1-E5D2-CB0F-B83ED5C039DB}"/>
+              </a:ext>
+            </a:extLst>
+          </p:cNvPr>
+          <p:cNvSpPr/>
+          <p:nvPr/>
+        </p:nvSpPr>
+        <p:spPr>
+          <a:xfrm>
+            <a:off x="5223656" y="3870608"/>
+            <a:ext cx="478964" cy="2404783"/>
+          </a:xfrm>
+          <a:prstGeom prst="roundRect">
+            <a:avLst>
+              <a:gd name="adj" fmla="val 43679"/>
+            </a:avLst>
+          </a:prstGeom>
+        </p:spPr>
+        <p:style>
+          <a:lnRef idx="2">
+            <a:schemeClr val="accent1">
+              <a:shade val="15000"/>
+            </a:schemeClr>
+          </a:lnRef>
+          <a:fillRef idx="1">
+            <a:schemeClr val="accent1"/>
+          </a:fillRef>
+          <a:effectRef idx="0">
+            <a:schemeClr val="accent1"/>
+          </a:effectRef>
+          <a:fontRef idx="minor">
+            <a:schemeClr val="lt1"/>
+          </a:fontRef>
+        </p:style>
+        <p:txBody>
+          <a:bodyPr rtlCol="0" anchor="ctr"/>
+          <a:lstStyle/>
+          <a:p>
+            <a:pPr algn="ctr"/>
+            <a:endParaRPr lang="en-US" dirty="0"/>
+          </a:p>
+        </p:txBody>
+      </p:sp>
+      <p:sp>
+        <p:nvSpPr>
+          <p:cNvPr id="193" name="TextBox 192">
+            <a:extLst>
+              <a:ext uri="{FF2B5EF4-FFF2-40B4-BE49-F238E27FC236}">
+                <a16:creationId xmlns:a16="http://schemas.microsoft.com/office/drawing/2014/main" id="{0441DF2B-C647-FECF-A3DA-F3321DF93245}"/>
+              </a:ext>
+            </a:extLst>
+          </p:cNvPr>
+          <p:cNvSpPr txBox="1"/>
+          <p:nvPr/>
+        </p:nvSpPr>
+        <p:spPr>
+          <a:xfrm rot="5400000">
+            <a:off x="4499107" y="4999809"/>
+            <a:ext cx="1941237" cy="246221"/>
+          </a:xfrm>
+          <a:prstGeom prst="rect">
+            <a:avLst/>
+          </a:prstGeom>
+          <a:noFill/>
+        </p:spPr>
+        <p:txBody>
+          <a:bodyPr wrap="square" rtlCol="0">
+            <a:spAutoFit/>
+          </a:bodyPr>
+          <a:lstStyle/>
+          <a:p>
+            <a:r>
+              <a:rPr lang="en-US" altLang="zh-CN" sz="1000" dirty="0">
+                <a:solidFill>
+                  <a:schemeClr val="bg1"/>
+                </a:solidFill>
+              </a:rPr>
+              <a:t>LoRA-ViT</a:t>
+            </a:r>
+            <a:r>
+              <a:rPr lang="zh-CN" altLang="en-US" sz="1000" dirty="0">
+                <a:solidFill>
+                  <a:schemeClr val="bg1"/>
+                </a:solidFill>
+              </a:rPr>
+              <a:t> </a:t>
+            </a:r>
+            <a:r>
+              <a:rPr lang="en-US" altLang="zh-CN" sz="1000" dirty="0">
+                <a:solidFill>
+                  <a:schemeClr val="bg1"/>
+                </a:solidFill>
+              </a:rPr>
+              <a:t>Transformer</a:t>
+            </a:r>
+            <a:r>
+              <a:rPr lang="zh-CN" altLang="en-US" sz="1000" dirty="0">
+                <a:solidFill>
+                  <a:schemeClr val="bg1"/>
+                </a:solidFill>
+              </a:rPr>
+              <a:t> </a:t>
+            </a:r>
+            <a:r>
+              <a:rPr lang="en-US" altLang="zh-CN" sz="1000" dirty="0">
+                <a:solidFill>
+                  <a:schemeClr val="bg1"/>
+                </a:solidFill>
+              </a:rPr>
+              <a:t>encoder</a:t>
+            </a:r>
+            <a:endParaRPr lang="en-US" sz="1000" dirty="0">
+              <a:solidFill>
+                <a:schemeClr val="bg1"/>
+              </a:solidFill>
+            </a:endParaRPr>
+          </a:p>
+        </p:txBody>
+      </p:sp>
+      <p:sp>
+        <p:nvSpPr>
+          <p:cNvPr id="196" name="Up Arrow 195">
+            <a:extLst>
+              <a:ext uri="{FF2B5EF4-FFF2-40B4-BE49-F238E27FC236}">
+                <a16:creationId xmlns:a16="http://schemas.microsoft.com/office/drawing/2014/main" id="{BBB4479B-2E4B-E6C6-57BB-95B765DA3079}"/>
+              </a:ext>
+            </a:extLst>
+          </p:cNvPr>
+          <p:cNvSpPr/>
+          <p:nvPr/>
+        </p:nvSpPr>
+        <p:spPr>
+          <a:xfrm>
+            <a:off x="5349139" y="3467130"/>
+            <a:ext cx="180031" cy="494271"/>
+          </a:xfrm>
+          <a:prstGeom prst="upArrow">
+            <a:avLst/>
+          </a:prstGeom>
+        </p:spPr>
+        <p:style>
+          <a:lnRef idx="2">
+            <a:schemeClr val="accent4">
+              <a:shade val="15000"/>
+            </a:schemeClr>
+          </a:lnRef>
+          <a:fillRef idx="1">
+            <a:schemeClr val="accent4"/>
+          </a:fillRef>
+          <a:effectRef idx="0">
+            <a:schemeClr val="accent4"/>
+          </a:effectRef>
+          <a:fontRef idx="minor">
+            <a:schemeClr val="lt1"/>
+          </a:fontRef>
+        </p:style>
+        <p:txBody>
+          <a:bodyPr rtlCol="0" anchor="ctr"/>
+          <a:lstStyle/>
+          <a:p>
+            <a:pPr algn="ctr"/>
+            <a:endParaRPr lang="en-US"/>
+          </a:p>
+        </p:txBody>
+      </p:sp>
+      <p:cxnSp>
+        <p:nvCxnSpPr>
+          <p:cNvPr id="206" name="Straight Arrow Connector 205">
+            <a:extLst>
+              <a:ext uri="{FF2B5EF4-FFF2-40B4-BE49-F238E27FC236}">
+                <a16:creationId xmlns:a16="http://schemas.microsoft.com/office/drawing/2014/main" id="{1234F865-EC14-909C-9BB4-52E88D1EC515}"/>
+              </a:ext>
+            </a:extLst>
+          </p:cNvPr>
+          <p:cNvCxnSpPr>
+            <a:cxnSpLocks/>
+          </p:cNvCxnSpPr>
+          <p:nvPr/>
+        </p:nvCxnSpPr>
+        <p:spPr>
+          <a:xfrm flipV="1">
+            <a:off x="7689878" y="2417971"/>
+            <a:ext cx="404088" cy="2371"/>
+          </a:xfrm>
+          <a:prstGeom prst="straightConnector1">
+            <a:avLst/>
+          </a:prstGeom>
+          <a:ln>
+            <a:tailEnd type="triangle"/>
+          </a:ln>
+        </p:spPr>
+        <p:style>
+          <a:lnRef idx="2">
+            <a:schemeClr val="accent1"/>
+          </a:lnRef>
+          <a:fillRef idx="0">
+            <a:schemeClr val="accent1"/>
+          </a:fillRef>
+          <a:effectRef idx="1">
+            <a:schemeClr val="accent1"/>
+          </a:effectRef>
+          <a:fontRef idx="minor">
+            <a:schemeClr val="tx1"/>
+          </a:fontRef>
+        </p:style>
+      </p:cxnSp>
+      <p:cxnSp>
+        <p:nvCxnSpPr>
+          <p:cNvPr id="207" name="Straight Arrow Connector 206">
+            <a:extLst>
+              <a:ext uri="{FF2B5EF4-FFF2-40B4-BE49-F238E27FC236}">
+                <a16:creationId xmlns:a16="http://schemas.microsoft.com/office/drawing/2014/main" id="{2F86CD62-0337-6899-98B8-6816BDD5A2C6}"/>
+              </a:ext>
+            </a:extLst>
+          </p:cNvPr>
+          <p:cNvCxnSpPr>
+            <a:cxnSpLocks/>
+          </p:cNvCxnSpPr>
+          <p:nvPr/>
+        </p:nvCxnSpPr>
+        <p:spPr>
+          <a:xfrm flipV="1">
+            <a:off x="8475313" y="2429855"/>
+            <a:ext cx="404088" cy="2371"/>
+          </a:xfrm>
+          <a:prstGeom prst="straightConnector1">
+            <a:avLst/>
+          </a:prstGeom>
+          <a:ln>
+            <a:tailEnd type="triangle"/>
+          </a:ln>
+        </p:spPr>
+        <p:style>
+          <a:lnRef idx="2">
+            <a:schemeClr val="accent1"/>
+          </a:lnRef>
+          <a:fillRef idx="0">
+            <a:schemeClr val="accent1"/>
+          </a:fillRef>
+          <a:effectRef idx="1">
+            <a:schemeClr val="accent1"/>
+          </a:effectRef>
+          <a:fontRef idx="minor">
+            <a:schemeClr val="tx1"/>
+          </a:fontRef>
+        </p:style>
+      </p:cxnSp>
+      <p:sp>
+        <p:nvSpPr>
+          <p:cNvPr id="208" name="TextBox 207">
+            <a:extLst>
+              <a:ext uri="{FF2B5EF4-FFF2-40B4-BE49-F238E27FC236}">
+                <a16:creationId xmlns:a16="http://schemas.microsoft.com/office/drawing/2014/main" id="{47F48647-0169-B303-0499-28A4B8E57A86}"/>
+              </a:ext>
+            </a:extLst>
+          </p:cNvPr>
+          <p:cNvSpPr txBox="1"/>
+          <p:nvPr/>
+        </p:nvSpPr>
+        <p:spPr>
+          <a:xfrm>
+            <a:off x="3769819" y="206065"/>
+            <a:ext cx="4308615" cy="584775"/>
+          </a:xfrm>
+          <a:prstGeom prst="rect">
+            <a:avLst/>
+          </a:prstGeom>
+          <a:noFill/>
+        </p:spPr>
+        <p:txBody>
+          <a:bodyPr wrap="none" rtlCol="0">
+            <a:spAutoFit/>
+          </a:bodyPr>
+          <a:lstStyle/>
+          <a:p>
+            <a:r>
+              <a:rPr lang="en-US" altLang="zh-CN" sz="3200" b="1" dirty="0">
+                <a:solidFill>
+                  <a:schemeClr val="accent1"/>
+                </a:solidFill>
+              </a:rPr>
+              <a:t>LoRA-ViT</a:t>
+            </a:r>
+            <a:r>
+              <a:rPr lang="zh-CN" altLang="en-US" sz="3200" b="1" dirty="0">
+                <a:solidFill>
+                  <a:schemeClr val="accent1"/>
+                </a:solidFill>
+              </a:rPr>
+              <a:t> </a:t>
+            </a:r>
+            <a:r>
+              <a:rPr lang="en-US" altLang="zh-CN" sz="3200" b="1" dirty="0">
+                <a:solidFill>
+                  <a:schemeClr val="accent1"/>
+                </a:solidFill>
+              </a:rPr>
+              <a:t>architecture</a:t>
+            </a:r>
+            <a:r>
+              <a:rPr lang="zh-CN" altLang="en-US" sz="3200" b="1" dirty="0">
+                <a:solidFill>
+                  <a:schemeClr val="accent1"/>
+                </a:solidFill>
+              </a:rPr>
+              <a:t> </a:t>
+            </a:r>
+            <a:endParaRPr lang="en-US" sz="3200" b="1" dirty="0">
+              <a:solidFill>
+                <a:schemeClr val="accent1"/>
               </a:solidFill>
             </a:endParaRPr>
           </a:p>

--- a/figures/LoRA-ViT.pptx
+++ b/figures/LoRA-ViT.pptx
@@ -104,6 +104,11 @@
       </a:defRPr>
     </a:lvl9pPr>
   </p:defaultTextStyle>
+  <p:extLst>
+    <p:ext uri="{EFAFB233-063F-42B5-8137-9DF3F51BA10A}">
+      <p15:sldGuideLst xmlns:p15="http://schemas.microsoft.com/office/powerpoint/2012/main"/>
+    </p:ext>
+  </p:extLst>
 </p:presentation>
 </file>
 
@@ -4410,8 +4415,8 @@
         </p:nvSpPr>
         <p:spPr>
           <a:xfrm rot="5400000">
-            <a:off x="1527470" y="3624615"/>
-            <a:ext cx="4374018" cy="400110"/>
+            <a:off x="1946078" y="3655393"/>
+            <a:ext cx="3536802" cy="338554"/>
           </a:xfrm>
           <a:prstGeom prst="rect">
             <a:avLst/>
@@ -4425,7 +4430,7 @@
           <a:lstStyle/>
           <a:p>
             <a:r>
-              <a:rPr lang="en-US" altLang="zh-CN" sz="2000" dirty="0">
+              <a:rPr lang="en-US" altLang="zh-CN" sz="1600" dirty="0">
                 <a:solidFill>
                   <a:schemeClr val="bg1"/>
                 </a:solidFill>
@@ -4433,7 +4438,7 @@
               <a:t>Linear</a:t>
             </a:r>
             <a:r>
-              <a:rPr lang="zh-CN" altLang="en-US" sz="2000" dirty="0">
+              <a:rPr lang="zh-CN" altLang="en-US" sz="1600" dirty="0">
                 <a:solidFill>
                   <a:schemeClr val="bg1"/>
                 </a:solidFill>
@@ -4441,7 +4446,7 @@
               <a:t> </a:t>
             </a:r>
             <a:r>
-              <a:rPr lang="en-US" altLang="zh-CN" sz="2000" dirty="0">
+              <a:rPr lang="en-US" altLang="zh-CN" sz="1600" dirty="0">
                 <a:solidFill>
                   <a:schemeClr val="bg1"/>
                 </a:solidFill>
@@ -4449,7 +4454,7 @@
               <a:t>Projection</a:t>
             </a:r>
             <a:r>
-              <a:rPr lang="zh-CN" altLang="en-US" sz="2000" dirty="0">
+              <a:rPr lang="zh-CN" altLang="en-US" sz="1600" dirty="0">
                 <a:solidFill>
                   <a:schemeClr val="bg1"/>
                 </a:solidFill>
@@ -4457,7 +4462,7 @@
               <a:t> </a:t>
             </a:r>
             <a:r>
-              <a:rPr lang="en-US" altLang="zh-CN" sz="2000" dirty="0">
+              <a:rPr lang="en-US" altLang="zh-CN" sz="1600" dirty="0">
                 <a:solidFill>
                   <a:schemeClr val="bg1"/>
                 </a:solidFill>
@@ -4465,7 +4470,7 @@
               <a:t>of</a:t>
             </a:r>
             <a:r>
-              <a:rPr lang="zh-CN" altLang="en-US" sz="2000" dirty="0">
+              <a:rPr lang="zh-CN" altLang="en-US" sz="1600" dirty="0">
                 <a:solidFill>
                   <a:schemeClr val="bg1"/>
                 </a:solidFill>
@@ -4473,7 +4478,7 @@
               <a:t> </a:t>
             </a:r>
             <a:r>
-              <a:rPr lang="en-US" altLang="zh-CN" sz="2000" dirty="0">
+              <a:rPr lang="en-US" altLang="zh-CN" sz="1600" dirty="0">
                 <a:solidFill>
                   <a:schemeClr val="bg1"/>
                 </a:solidFill>
@@ -4481,7 +4486,7 @@
               <a:t>Flattened</a:t>
             </a:r>
             <a:r>
-              <a:rPr lang="zh-CN" altLang="en-US" sz="2000" dirty="0">
+              <a:rPr lang="zh-CN" altLang="en-US" sz="1600" dirty="0">
                 <a:solidFill>
                   <a:schemeClr val="bg1"/>
                 </a:solidFill>
@@ -4489,14 +4494,14 @@
               <a:t> </a:t>
             </a:r>
             <a:r>
-              <a:rPr lang="en-US" altLang="zh-CN" sz="2000" dirty="0">
+              <a:rPr lang="en-US" altLang="zh-CN" sz="1600" dirty="0">
                 <a:solidFill>
                   <a:schemeClr val="bg1"/>
                 </a:solidFill>
               </a:rPr>
               <a:t>Patches</a:t>
             </a:r>
-            <a:endParaRPr lang="en-US" sz="2000" dirty="0">
+            <a:endParaRPr lang="en-US" sz="1600" dirty="0">
               <a:solidFill>
                 <a:schemeClr val="bg1"/>
               </a:solidFill>
@@ -7079,8 +7084,8 @@
         </p:nvSpPr>
         <p:spPr>
           <a:xfrm rot="5400000">
-            <a:off x="4477907" y="2218542"/>
-            <a:ext cx="1941237" cy="338554"/>
+            <a:off x="4050601" y="2278662"/>
+            <a:ext cx="2795536" cy="276999"/>
           </a:xfrm>
           <a:prstGeom prst="rect">
             <a:avLst/>
@@ -7093,8 +7098,9 @@
           </a:bodyPr>
           <a:lstStyle/>
           <a:p>
-            <a:r>
-              <a:rPr lang="en-US" altLang="zh-CN" sz="1600" dirty="0">
+            <a:pPr algn="ctr"/>
+            <a:r>
+              <a:rPr lang="en-US" altLang="zh-CN" sz="1200" dirty="0">
                 <a:solidFill>
                   <a:schemeClr val="bg1"/>
                 </a:solidFill>
@@ -7102,7 +7108,7 @@
               <a:t>Transformer</a:t>
             </a:r>
             <a:r>
-              <a:rPr lang="zh-CN" altLang="en-US" sz="1600" dirty="0">
+              <a:rPr lang="zh-CN" altLang="en-US" sz="1200" dirty="0">
                 <a:solidFill>
                   <a:schemeClr val="bg1"/>
                 </a:solidFill>
@@ -7110,7 +7116,23 @@
               <a:t> </a:t>
             </a:r>
             <a:r>
-              <a:rPr lang="en-US" altLang="zh-CN" sz="1600" dirty="0">
+              <a:rPr lang="en-US" altLang="zh-CN" sz="1200" dirty="0">
+                <a:solidFill>
+                  <a:schemeClr val="bg1"/>
+                </a:solidFill>
+              </a:rPr>
+              <a:t>Encoder</a:t>
+            </a:r>
+            <a:r>
+              <a:rPr lang="zh-CN" altLang="en-US" sz="1200" dirty="0">
+                <a:solidFill>
+                  <a:schemeClr val="bg1"/>
+                </a:solidFill>
+              </a:rPr>
+              <a:t> </a:t>
+            </a:r>
+            <a:r>
+              <a:rPr lang="en-US" altLang="zh-CN" sz="1200" dirty="0">
                 <a:solidFill>
                   <a:schemeClr val="bg1"/>
                 </a:solidFill>
@@ -7118,7 +7140,7 @@
               <a:t>Block</a:t>
             </a:r>
             <a:r>
-              <a:rPr lang="zh-CN" altLang="en-US" sz="1600" dirty="0">
+              <a:rPr lang="zh-CN" altLang="en-US" sz="1200" dirty="0">
                 <a:solidFill>
                   <a:schemeClr val="bg1"/>
                 </a:solidFill>
@@ -7126,14 +7148,14 @@
               <a:t> </a:t>
             </a:r>
             <a:r>
-              <a:rPr lang="en-US" altLang="zh-CN" sz="1600" dirty="0">
+              <a:rPr lang="en-US" altLang="zh-CN" sz="1200" dirty="0">
                 <a:solidFill>
                   <a:schemeClr val="bg1"/>
                 </a:solidFill>
               </a:rPr>
               <a:t>1</a:t>
             </a:r>
-            <a:endParaRPr lang="en-US" sz="1600" dirty="0">
+            <a:endParaRPr lang="en-US" sz="1200" dirty="0">
               <a:solidFill>
                 <a:schemeClr val="bg1"/>
               </a:solidFill>
@@ -7232,82 +7254,6 @@
           </a:p>
         </p:txBody>
       </p:sp>
-      <p:sp>
-        <p:nvSpPr>
-          <p:cNvPr id="134" name="TextBox 133">
-            <a:extLst>
-              <a:ext uri="{FF2B5EF4-FFF2-40B4-BE49-F238E27FC236}">
-                <a16:creationId xmlns:a16="http://schemas.microsoft.com/office/drawing/2014/main" id="{A04ABA76-B81D-51A8-C9C7-984ED023110E}"/>
-              </a:ext>
-            </a:extLst>
-          </p:cNvPr>
-          <p:cNvSpPr txBox="1"/>
-          <p:nvPr/>
-        </p:nvSpPr>
-        <p:spPr>
-          <a:xfrm rot="5400000">
-            <a:off x="5491942" y="2218542"/>
-            <a:ext cx="1941237" cy="338554"/>
-          </a:xfrm>
-          <a:prstGeom prst="rect">
-            <a:avLst/>
-          </a:prstGeom>
-          <a:noFill/>
-        </p:spPr>
-        <p:txBody>
-          <a:bodyPr wrap="square" rtlCol="0">
-            <a:spAutoFit/>
-          </a:bodyPr>
-          <a:lstStyle/>
-          <a:p>
-            <a:r>
-              <a:rPr lang="en-US" altLang="zh-CN" sz="1600" dirty="0">
-                <a:solidFill>
-                  <a:schemeClr val="bg1"/>
-                </a:solidFill>
-              </a:rPr>
-              <a:t>Transformer</a:t>
-            </a:r>
-            <a:r>
-              <a:rPr lang="zh-CN" altLang="en-US" sz="1600" dirty="0">
-                <a:solidFill>
-                  <a:schemeClr val="bg1"/>
-                </a:solidFill>
-              </a:rPr>
-              <a:t> </a:t>
-            </a:r>
-            <a:r>
-              <a:rPr lang="en-US" altLang="zh-CN" sz="1600" dirty="0">
-                <a:solidFill>
-                  <a:schemeClr val="bg1"/>
-                </a:solidFill>
-              </a:rPr>
-              <a:t>Block</a:t>
-            </a:r>
-            <a:r>
-              <a:rPr lang="zh-CN" altLang="en-US" sz="1600" dirty="0">
-                <a:solidFill>
-                  <a:schemeClr val="bg1"/>
-                </a:solidFill>
-              </a:rPr>
-              <a:t> </a:t>
-            </a:r>
-            <a:r>
-              <a:rPr lang="en-US" altLang="zh-CN" sz="1600" dirty="0">
-                <a:solidFill>
-                  <a:schemeClr val="bg1"/>
-                </a:solidFill>
-              </a:rPr>
-              <a:t>2</a:t>
-            </a:r>
-            <a:endParaRPr lang="en-US" sz="1600" dirty="0">
-              <a:solidFill>
-                <a:schemeClr val="bg1"/>
-              </a:solidFill>
-            </a:endParaRPr>
-          </a:p>
-        </p:txBody>
-      </p:sp>
       <p:cxnSp>
         <p:nvCxnSpPr>
           <p:cNvPr id="135" name="Straight Arrow Connector 134">
@@ -7400,82 +7346,6 @@
       </p:sp>
       <p:sp>
         <p:nvSpPr>
-          <p:cNvPr id="137" name="TextBox 136">
-            <a:extLst>
-              <a:ext uri="{FF2B5EF4-FFF2-40B4-BE49-F238E27FC236}">
-                <a16:creationId xmlns:a16="http://schemas.microsoft.com/office/drawing/2014/main" id="{AC483924-1CF0-7279-CF65-9D53BC6CC43F}"/>
-              </a:ext>
-            </a:extLst>
-          </p:cNvPr>
-          <p:cNvSpPr txBox="1"/>
-          <p:nvPr/>
-        </p:nvSpPr>
-        <p:spPr>
-          <a:xfrm rot="5400000">
-            <a:off x="6460610" y="2218542"/>
-            <a:ext cx="1941237" cy="338554"/>
-          </a:xfrm>
-          <a:prstGeom prst="rect">
-            <a:avLst/>
-          </a:prstGeom>
-          <a:noFill/>
-        </p:spPr>
-        <p:txBody>
-          <a:bodyPr wrap="square" rtlCol="0">
-            <a:spAutoFit/>
-          </a:bodyPr>
-          <a:lstStyle/>
-          <a:p>
-            <a:r>
-              <a:rPr lang="en-US" altLang="zh-CN" sz="1600" dirty="0">
-                <a:solidFill>
-                  <a:schemeClr val="bg1"/>
-                </a:solidFill>
-              </a:rPr>
-              <a:t>Transformer</a:t>
-            </a:r>
-            <a:r>
-              <a:rPr lang="zh-CN" altLang="en-US" sz="1600" dirty="0">
-                <a:solidFill>
-                  <a:schemeClr val="bg1"/>
-                </a:solidFill>
-              </a:rPr>
-              <a:t> </a:t>
-            </a:r>
-            <a:r>
-              <a:rPr lang="en-US" altLang="zh-CN" sz="1600" dirty="0">
-                <a:solidFill>
-                  <a:schemeClr val="bg1"/>
-                </a:solidFill>
-              </a:rPr>
-              <a:t>Block</a:t>
-            </a:r>
-            <a:r>
-              <a:rPr lang="zh-CN" altLang="en-US" sz="1600" dirty="0">
-                <a:solidFill>
-                  <a:schemeClr val="bg1"/>
-                </a:solidFill>
-              </a:rPr>
-              <a:t> </a:t>
-            </a:r>
-            <a:r>
-              <a:rPr lang="en-US" altLang="zh-CN" sz="1600" dirty="0">
-                <a:solidFill>
-                  <a:schemeClr val="bg1"/>
-                </a:solidFill>
-              </a:rPr>
-              <a:t>3</a:t>
-            </a:r>
-            <a:endParaRPr lang="en-US" sz="1600" dirty="0">
-              <a:solidFill>
-                <a:schemeClr val="bg1"/>
-              </a:solidFill>
-            </a:endParaRPr>
-          </a:p>
-        </p:txBody>
-      </p:sp>
-      <p:sp>
-        <p:nvSpPr>
           <p:cNvPr id="139" name="Rounded Rectangle 138">
             <a:extLst>
               <a:ext uri="{FF2B5EF4-FFF2-40B4-BE49-F238E27FC236}">
@@ -7524,10 +7394,10 @@
       </p:sp>
       <p:sp>
         <p:nvSpPr>
-          <p:cNvPr id="140" name="TextBox 139">
-            <a:extLst>
-              <a:ext uri="{FF2B5EF4-FFF2-40B4-BE49-F238E27FC236}">
-                <a16:creationId xmlns:a16="http://schemas.microsoft.com/office/drawing/2014/main" id="{86F1F4D4-F6BB-1448-BB5B-F7543B1DCB24}"/>
+          <p:cNvPr id="147" name="TextBox 146">
+            <a:extLst>
+              <a:ext uri="{FF2B5EF4-FFF2-40B4-BE49-F238E27FC236}">
+                <a16:creationId xmlns:a16="http://schemas.microsoft.com/office/drawing/2014/main" id="{0FAF4BF3-85A1-E465-86B8-69481368E34B}"/>
               </a:ext>
             </a:extLst>
           </p:cNvPr>
@@ -7535,83 +7405,7 @@
           <p:nvPr/>
         </p:nvSpPr>
         <p:spPr>
-          <a:xfrm rot="5400000">
-            <a:off x="8160192" y="2279950"/>
-            <a:ext cx="2067469" cy="338554"/>
-          </a:xfrm>
-          <a:prstGeom prst="rect">
-            <a:avLst/>
-          </a:prstGeom>
-          <a:noFill/>
-        </p:spPr>
-        <p:txBody>
-          <a:bodyPr wrap="square" rtlCol="0">
-            <a:spAutoFit/>
-          </a:bodyPr>
-          <a:lstStyle/>
-          <a:p>
-            <a:r>
-              <a:rPr lang="en-US" altLang="zh-CN" sz="1600" dirty="0">
-                <a:solidFill>
-                  <a:schemeClr val="bg1"/>
-                </a:solidFill>
-              </a:rPr>
-              <a:t>Transformer</a:t>
-            </a:r>
-            <a:r>
-              <a:rPr lang="zh-CN" altLang="en-US" sz="1600" dirty="0">
-                <a:solidFill>
-                  <a:schemeClr val="bg1"/>
-                </a:solidFill>
-              </a:rPr>
-              <a:t> </a:t>
-            </a:r>
-            <a:r>
-              <a:rPr lang="en-US" altLang="zh-CN" sz="1600" dirty="0">
-                <a:solidFill>
-                  <a:schemeClr val="bg1"/>
-                </a:solidFill>
-              </a:rPr>
-              <a:t>Block</a:t>
-            </a:r>
-            <a:r>
-              <a:rPr lang="zh-CN" altLang="en-US" sz="1600" dirty="0">
-                <a:solidFill>
-                  <a:schemeClr val="bg1"/>
-                </a:solidFill>
-              </a:rPr>
-              <a:t> </a:t>
-            </a:r>
-            <a:r>
-              <a:rPr lang="en-US" altLang="zh-CN" sz="1600" dirty="0">
-                <a:solidFill>
-                  <a:schemeClr val="bg1"/>
-                </a:solidFill>
-              </a:rPr>
-              <a:t>N</a:t>
-            </a:r>
-            <a:endParaRPr lang="en-US" sz="1600" dirty="0">
-              <a:solidFill>
-                <a:schemeClr val="bg1"/>
-              </a:solidFill>
-            </a:endParaRPr>
-          </a:p>
-        </p:txBody>
-      </p:sp>
-      <p:sp>
-        <p:nvSpPr>
-          <p:cNvPr id="147" name="TextBox 146">
-            <a:extLst>
-              <a:ext uri="{FF2B5EF4-FFF2-40B4-BE49-F238E27FC236}">
-                <a16:creationId xmlns:a16="http://schemas.microsoft.com/office/drawing/2014/main" id="{0FAF4BF3-85A1-E465-86B8-69481368E34B}"/>
-              </a:ext>
-            </a:extLst>
-          </p:cNvPr>
-          <p:cNvSpPr txBox="1"/>
-          <p:nvPr/>
-        </p:nvSpPr>
-        <p:spPr>
-          <a:xfrm rot="20700000">
+          <a:xfrm>
             <a:off x="8116069" y="2201443"/>
             <a:ext cx="362600" cy="338554"/>
           </a:xfrm>
@@ -7691,8 +7485,8 @@
           </a:p>
         </p:txBody>
       </p:sp>
-      <mc:AlternateContent xmlns:mc="http://schemas.openxmlformats.org/markup-compatibility/2006">
-        <mc:Choice xmlns:a14="http://schemas.microsoft.com/office/drawing/2010/main" Requires="a14">
+      <mc:AlternateContent xmlns:mc="http://schemas.openxmlformats.org/markup-compatibility/2006" xmlns:a14="http://schemas.microsoft.com/office/drawing/2010/main">
+        <mc:Choice Requires="a14">
           <p:sp>
             <p:nvSpPr>
               <p:cNvPr id="154" name="TextBox 153">
@@ -7721,6 +7515,7 @@
               </a:bodyPr>
               <a:lstStyle/>
               <a:p>
+                <a:pPr/>
                 <a14:m>
                   <m:oMathPara xmlns:m="http://schemas.openxmlformats.org/officeDocument/2006/math">
                     <m:oMathParaPr>
@@ -7805,7 +7600,7 @@
             </p:txBody>
           </p:sp>
         </mc:Choice>
-        <mc:Fallback>
+        <mc:Fallback xmlns="">
           <p:sp>
             <p:nvSpPr>
               <p:cNvPr id="154" name="TextBox 153">
@@ -8028,8 +7823,8 @@
           </a:p>
         </p:txBody>
       </p:sp>
-      <mc:AlternateContent xmlns:mc="http://schemas.openxmlformats.org/markup-compatibility/2006">
-        <mc:Choice xmlns:a14="http://schemas.microsoft.com/office/drawing/2010/main" Requires="a14">
+      <mc:AlternateContent xmlns:mc="http://schemas.openxmlformats.org/markup-compatibility/2006" xmlns:a14="http://schemas.microsoft.com/office/drawing/2010/main">
+        <mc:Choice Requires="a14">
           <p:sp>
             <p:nvSpPr>
               <p:cNvPr id="162" name="Rectangle 161">
@@ -8092,7 +7887,7 @@
             </p:txBody>
           </p:sp>
         </mc:Choice>
-        <mc:Fallback>
+        <mc:Fallback xmlns="">
           <p:sp>
             <p:nvSpPr>
               <p:cNvPr id="162" name="Rectangle 161">
@@ -8137,8 +7932,8 @@
           </p:sp>
         </mc:Fallback>
       </mc:AlternateContent>
-      <mc:AlternateContent xmlns:mc="http://schemas.openxmlformats.org/markup-compatibility/2006">
-        <mc:Choice xmlns:a14="http://schemas.microsoft.com/office/drawing/2010/main" Requires="a14">
+      <mc:AlternateContent xmlns:mc="http://schemas.openxmlformats.org/markup-compatibility/2006" xmlns:a14="http://schemas.microsoft.com/office/drawing/2010/main">
+        <mc:Choice Requires="a14">
           <p:sp>
             <p:nvSpPr>
               <p:cNvPr id="163" name="TextBox 162">
@@ -8341,7 +8136,7 @@
             </p:txBody>
           </p:sp>
         </mc:Choice>
-        <mc:Fallback>
+        <mc:Fallback xmlns="">
           <p:sp>
             <p:nvSpPr>
               <p:cNvPr id="163" name="TextBox 162">
@@ -8432,8 +8227,8 @@
           </a:p>
         </p:txBody>
       </p:sp>
-      <mc:AlternateContent xmlns:mc="http://schemas.openxmlformats.org/markup-compatibility/2006">
-        <mc:Choice xmlns:a14="http://schemas.microsoft.com/office/drawing/2010/main" Requires="a14">
+      <mc:AlternateContent xmlns:mc="http://schemas.openxmlformats.org/markup-compatibility/2006" xmlns:a14="http://schemas.microsoft.com/office/drawing/2010/main">
+        <mc:Choice Requires="a14">
           <p:sp>
             <p:nvSpPr>
               <p:cNvPr id="168" name="TextBox 167">
@@ -8593,7 +8388,7 @@
             </p:txBody>
           </p:sp>
         </mc:Choice>
-        <mc:Fallback>
+        <mc:Fallback xmlns="">
           <p:sp>
             <p:nvSpPr>
               <p:cNvPr id="168" name="TextBox 167">
@@ -8684,8 +8479,8 @@
           </a:p>
         </p:txBody>
       </p:sp>
-      <mc:AlternateContent xmlns:mc="http://schemas.openxmlformats.org/markup-compatibility/2006">
-        <mc:Choice xmlns:a14="http://schemas.microsoft.com/office/drawing/2010/main" Requires="a14">
+      <mc:AlternateContent xmlns:mc="http://schemas.openxmlformats.org/markup-compatibility/2006" xmlns:a14="http://schemas.microsoft.com/office/drawing/2010/main">
+        <mc:Choice Requires="a14">
           <p:sp>
             <p:nvSpPr>
               <p:cNvPr id="170" name="TextBox 169">
@@ -8837,7 +8632,7 @@
             </p:txBody>
           </p:sp>
         </mc:Choice>
-        <mc:Fallback>
+        <mc:Fallback xmlns="">
           <p:sp>
             <p:nvSpPr>
               <p:cNvPr id="170" name="TextBox 169">
@@ -9063,8 +8858,8 @@
           </a:p>
         </p:txBody>
       </p:sp>
-      <mc:AlternateContent xmlns:mc="http://schemas.openxmlformats.org/markup-compatibility/2006">
-        <mc:Choice xmlns:a14="http://schemas.microsoft.com/office/drawing/2010/main" Requires="a14">
+      <mc:AlternateContent xmlns:mc="http://schemas.openxmlformats.org/markup-compatibility/2006" xmlns:a14="http://schemas.microsoft.com/office/drawing/2010/main">
+        <mc:Choice Requires="a14">
           <p:sp>
             <p:nvSpPr>
               <p:cNvPr id="176" name="TextBox 175">
@@ -9093,6 +8888,7 @@
               </a:bodyPr>
               <a:lstStyle/>
               <a:p>
+                <a:pPr/>
                 <a14:m>
                   <m:oMathPara xmlns:m="http://schemas.openxmlformats.org/officeDocument/2006/math">
                     <m:oMathParaPr>
@@ -9177,7 +8973,7 @@
             </p:txBody>
           </p:sp>
         </mc:Choice>
-        <mc:Fallback>
+        <mc:Fallback xmlns="">
           <p:sp>
             <p:nvSpPr>
               <p:cNvPr id="176" name="TextBox 175">
@@ -9550,8 +9346,8 @@
         </p:nvSpPr>
         <p:spPr>
           <a:xfrm>
-            <a:off x="5223656" y="3870608"/>
-            <a:ext cx="478964" cy="2404783"/>
+            <a:off x="5148606" y="3870608"/>
+            <a:ext cx="554014" cy="2404783"/>
           </a:xfrm>
           <a:prstGeom prst="roundRect">
             <a:avLst>
@@ -9598,8 +9394,8 @@
         </p:nvSpPr>
         <p:spPr>
           <a:xfrm rot="5400000">
-            <a:off x="4499107" y="4999809"/>
-            <a:ext cx="1941237" cy="246221"/>
+            <a:off x="4287323" y="5005766"/>
+            <a:ext cx="2289601" cy="246221"/>
           </a:xfrm>
           <a:prstGeom prst="rect">
             <a:avLst/>
@@ -9650,59 +9446,29 @@
                   <a:schemeClr val="bg1"/>
                 </a:solidFill>
               </a:rPr>
-              <a:t>encoder</a:t>
+              <a:t>Encoder</a:t>
+            </a:r>
+            <a:r>
+              <a:rPr lang="zh-CN" altLang="en-US" sz="1000" dirty="0">
+                <a:solidFill>
+                  <a:schemeClr val="bg1"/>
+                </a:solidFill>
+              </a:rPr>
+              <a:t> </a:t>
+            </a:r>
+            <a:r>
+              <a:rPr lang="en-US" altLang="zh-CN" sz="1000" dirty="0">
+                <a:solidFill>
+                  <a:schemeClr val="bg1"/>
+                </a:solidFill>
+              </a:rPr>
+              <a:t>Block</a:t>
             </a:r>
             <a:endParaRPr lang="en-US" sz="1000" dirty="0">
               <a:solidFill>
                 <a:schemeClr val="bg1"/>
               </a:solidFill>
             </a:endParaRPr>
-          </a:p>
-        </p:txBody>
-      </p:sp>
-      <p:sp>
-        <p:nvSpPr>
-          <p:cNvPr id="196" name="Up Arrow 195">
-            <a:extLst>
-              <a:ext uri="{FF2B5EF4-FFF2-40B4-BE49-F238E27FC236}">
-                <a16:creationId xmlns:a16="http://schemas.microsoft.com/office/drawing/2014/main" id="{BBB4479B-2E4B-E6C6-57BB-95B765DA3079}"/>
-              </a:ext>
-            </a:extLst>
-          </p:cNvPr>
-          <p:cNvSpPr/>
-          <p:nvPr/>
-        </p:nvSpPr>
-        <p:spPr>
-          <a:xfrm>
-            <a:off x="5349139" y="3467130"/>
-            <a:ext cx="180031" cy="494271"/>
-          </a:xfrm>
-          <a:prstGeom prst="upArrow">
-            <a:avLst/>
-          </a:prstGeom>
-        </p:spPr>
-        <p:style>
-          <a:lnRef idx="2">
-            <a:schemeClr val="accent4">
-              <a:shade val="15000"/>
-            </a:schemeClr>
-          </a:lnRef>
-          <a:fillRef idx="1">
-            <a:schemeClr val="accent4"/>
-          </a:fillRef>
-          <a:effectRef idx="0">
-            <a:schemeClr val="accent4"/>
-          </a:effectRef>
-          <a:fontRef idx="minor">
-            <a:schemeClr val="lt1"/>
-          </a:fontRef>
-        </p:style>
-        <p:txBody>
-          <a:bodyPr rtlCol="0" anchor="ctr"/>
-          <a:lstStyle/>
-          <a:p>
-            <a:pPr algn="ctr"/>
-            <a:endParaRPr lang="en-US"/>
           </a:p>
         </p:txBody>
       </p:sp>
@@ -9856,6 +9622,362 @@
           </a:p>
         </p:txBody>
       </p:sp>
+      <p:sp>
+        <p:nvSpPr>
+          <p:cNvPr id="5" name="TextBox 4">
+            <a:extLst>
+              <a:ext uri="{FF2B5EF4-FFF2-40B4-BE49-F238E27FC236}">
+                <a16:creationId xmlns:a16="http://schemas.microsoft.com/office/drawing/2014/main" id="{99E86F28-BAE5-B476-90F0-9177725DC839}"/>
+              </a:ext>
+            </a:extLst>
+          </p:cNvPr>
+          <p:cNvSpPr txBox="1"/>
+          <p:nvPr/>
+        </p:nvSpPr>
+        <p:spPr>
+          <a:xfrm rot="5400000">
+            <a:off x="5047187" y="2299723"/>
+            <a:ext cx="2795536" cy="276999"/>
+          </a:xfrm>
+          <a:prstGeom prst="rect">
+            <a:avLst/>
+          </a:prstGeom>
+          <a:noFill/>
+        </p:spPr>
+        <p:txBody>
+          <a:bodyPr wrap="square" rtlCol="0">
+            <a:spAutoFit/>
+          </a:bodyPr>
+          <a:lstStyle/>
+          <a:p>
+            <a:pPr algn="ctr"/>
+            <a:r>
+              <a:rPr lang="en-US" altLang="zh-CN" sz="1200" dirty="0">
+                <a:solidFill>
+                  <a:schemeClr val="bg1"/>
+                </a:solidFill>
+              </a:rPr>
+              <a:t>Transformer</a:t>
+            </a:r>
+            <a:r>
+              <a:rPr lang="zh-CN" altLang="en-US" sz="1200" dirty="0">
+                <a:solidFill>
+                  <a:schemeClr val="bg1"/>
+                </a:solidFill>
+              </a:rPr>
+              <a:t> </a:t>
+            </a:r>
+            <a:r>
+              <a:rPr lang="en-US" altLang="zh-CN" sz="1200" dirty="0">
+                <a:solidFill>
+                  <a:schemeClr val="bg1"/>
+                </a:solidFill>
+              </a:rPr>
+              <a:t>Encoder</a:t>
+            </a:r>
+            <a:r>
+              <a:rPr lang="zh-CN" altLang="en-US" sz="1200" dirty="0">
+                <a:solidFill>
+                  <a:schemeClr val="bg1"/>
+                </a:solidFill>
+              </a:rPr>
+              <a:t> </a:t>
+            </a:r>
+            <a:r>
+              <a:rPr lang="en-US" altLang="zh-CN" sz="1200" dirty="0">
+                <a:solidFill>
+                  <a:schemeClr val="bg1"/>
+                </a:solidFill>
+              </a:rPr>
+              <a:t>Block</a:t>
+            </a:r>
+            <a:r>
+              <a:rPr lang="zh-CN" altLang="en-US" sz="1200" dirty="0">
+                <a:solidFill>
+                  <a:schemeClr val="bg1"/>
+                </a:solidFill>
+              </a:rPr>
+              <a:t> </a:t>
+            </a:r>
+            <a:r>
+              <a:rPr lang="en-US" altLang="zh-CN" sz="1200" dirty="0">
+                <a:solidFill>
+                  <a:schemeClr val="bg1"/>
+                </a:solidFill>
+              </a:rPr>
+              <a:t>1</a:t>
+            </a:r>
+            <a:endParaRPr lang="en-US" sz="1200" dirty="0">
+              <a:solidFill>
+                <a:schemeClr val="bg1"/>
+              </a:solidFill>
+            </a:endParaRPr>
+          </a:p>
+        </p:txBody>
+      </p:sp>
+      <p:sp>
+        <p:nvSpPr>
+          <p:cNvPr id="6" name="TextBox 5">
+            <a:extLst>
+              <a:ext uri="{FF2B5EF4-FFF2-40B4-BE49-F238E27FC236}">
+                <a16:creationId xmlns:a16="http://schemas.microsoft.com/office/drawing/2014/main" id="{DF496B93-702F-D3AB-FEE5-E2DB06F444C8}"/>
+              </a:ext>
+            </a:extLst>
+          </p:cNvPr>
+          <p:cNvSpPr txBox="1"/>
+          <p:nvPr/>
+        </p:nvSpPr>
+        <p:spPr>
+          <a:xfrm rot="5400000">
+            <a:off x="6002141" y="2315571"/>
+            <a:ext cx="2795536" cy="276999"/>
+          </a:xfrm>
+          <a:prstGeom prst="rect">
+            <a:avLst/>
+          </a:prstGeom>
+          <a:noFill/>
+        </p:spPr>
+        <p:txBody>
+          <a:bodyPr wrap="square" rtlCol="0">
+            <a:spAutoFit/>
+          </a:bodyPr>
+          <a:lstStyle/>
+          <a:p>
+            <a:pPr algn="ctr"/>
+            <a:r>
+              <a:rPr lang="en-US" altLang="zh-CN" sz="1200" dirty="0">
+                <a:solidFill>
+                  <a:schemeClr val="bg1"/>
+                </a:solidFill>
+              </a:rPr>
+              <a:t>Transformer</a:t>
+            </a:r>
+            <a:r>
+              <a:rPr lang="zh-CN" altLang="en-US" sz="1200" dirty="0">
+                <a:solidFill>
+                  <a:schemeClr val="bg1"/>
+                </a:solidFill>
+              </a:rPr>
+              <a:t> </a:t>
+            </a:r>
+            <a:r>
+              <a:rPr lang="en-US" altLang="zh-CN" sz="1200" dirty="0">
+                <a:solidFill>
+                  <a:schemeClr val="bg1"/>
+                </a:solidFill>
+              </a:rPr>
+              <a:t>Encoder</a:t>
+            </a:r>
+            <a:r>
+              <a:rPr lang="zh-CN" altLang="en-US" sz="1200" dirty="0">
+                <a:solidFill>
+                  <a:schemeClr val="bg1"/>
+                </a:solidFill>
+              </a:rPr>
+              <a:t> </a:t>
+            </a:r>
+            <a:r>
+              <a:rPr lang="en-US" altLang="zh-CN" sz="1200" dirty="0">
+                <a:solidFill>
+                  <a:schemeClr val="bg1"/>
+                </a:solidFill>
+              </a:rPr>
+              <a:t>Block</a:t>
+            </a:r>
+            <a:r>
+              <a:rPr lang="zh-CN" altLang="en-US" sz="1200" dirty="0">
+                <a:solidFill>
+                  <a:schemeClr val="bg1"/>
+                </a:solidFill>
+              </a:rPr>
+              <a:t> </a:t>
+            </a:r>
+            <a:r>
+              <a:rPr lang="en-US" altLang="zh-CN" sz="1200" dirty="0">
+                <a:solidFill>
+                  <a:schemeClr val="bg1"/>
+                </a:solidFill>
+              </a:rPr>
+              <a:t>1</a:t>
+            </a:r>
+            <a:endParaRPr lang="en-US" sz="1200" dirty="0">
+              <a:solidFill>
+                <a:schemeClr val="bg1"/>
+              </a:solidFill>
+            </a:endParaRPr>
+          </a:p>
+        </p:txBody>
+      </p:sp>
+      <p:sp>
+        <p:nvSpPr>
+          <p:cNvPr id="7" name="TextBox 6">
+            <a:extLst>
+              <a:ext uri="{FF2B5EF4-FFF2-40B4-BE49-F238E27FC236}">
+                <a16:creationId xmlns:a16="http://schemas.microsoft.com/office/drawing/2014/main" id="{4E453DDE-1EE2-CE18-7DD4-244244070545}"/>
+              </a:ext>
+            </a:extLst>
+          </p:cNvPr>
+          <p:cNvSpPr txBox="1"/>
+          <p:nvPr/>
+        </p:nvSpPr>
+        <p:spPr>
+          <a:xfrm rot="5400000">
+            <a:off x="7779701" y="2284244"/>
+            <a:ext cx="2795536" cy="276999"/>
+          </a:xfrm>
+          <a:prstGeom prst="rect">
+            <a:avLst/>
+          </a:prstGeom>
+          <a:noFill/>
+        </p:spPr>
+        <p:txBody>
+          <a:bodyPr wrap="square" rtlCol="0">
+            <a:spAutoFit/>
+          </a:bodyPr>
+          <a:lstStyle/>
+          <a:p>
+            <a:pPr algn="ctr"/>
+            <a:r>
+              <a:rPr lang="en-US" altLang="zh-CN" sz="1200" dirty="0">
+                <a:solidFill>
+                  <a:schemeClr val="bg1"/>
+                </a:solidFill>
+              </a:rPr>
+              <a:t>Transformer</a:t>
+            </a:r>
+            <a:r>
+              <a:rPr lang="zh-CN" altLang="en-US" sz="1200" dirty="0">
+                <a:solidFill>
+                  <a:schemeClr val="bg1"/>
+                </a:solidFill>
+              </a:rPr>
+              <a:t> </a:t>
+            </a:r>
+            <a:r>
+              <a:rPr lang="en-US" altLang="zh-CN" sz="1200" dirty="0">
+                <a:solidFill>
+                  <a:schemeClr val="bg1"/>
+                </a:solidFill>
+              </a:rPr>
+              <a:t>Encoder</a:t>
+            </a:r>
+            <a:r>
+              <a:rPr lang="zh-CN" altLang="en-US" sz="1200" dirty="0">
+                <a:solidFill>
+                  <a:schemeClr val="bg1"/>
+                </a:solidFill>
+              </a:rPr>
+              <a:t> </a:t>
+            </a:r>
+            <a:r>
+              <a:rPr lang="en-US" altLang="zh-CN" sz="1200" dirty="0">
+                <a:solidFill>
+                  <a:schemeClr val="bg1"/>
+                </a:solidFill>
+              </a:rPr>
+              <a:t>Block</a:t>
+            </a:r>
+            <a:r>
+              <a:rPr lang="zh-CN" altLang="en-US" sz="1200" dirty="0">
+                <a:solidFill>
+                  <a:schemeClr val="bg1"/>
+                </a:solidFill>
+              </a:rPr>
+              <a:t> </a:t>
+            </a:r>
+            <a:r>
+              <a:rPr lang="en-US" altLang="zh-CN" sz="1200" dirty="0">
+                <a:solidFill>
+                  <a:schemeClr val="bg1"/>
+                </a:solidFill>
+              </a:rPr>
+              <a:t>1</a:t>
+            </a:r>
+            <a:endParaRPr lang="en-US" sz="1200" dirty="0">
+              <a:solidFill>
+                <a:schemeClr val="bg1"/>
+              </a:solidFill>
+            </a:endParaRPr>
+          </a:p>
+        </p:txBody>
+      </p:sp>
+      <p:cxnSp>
+        <p:nvCxnSpPr>
+          <p:cNvPr id="11" name="Straight Connector 10">
+            <a:extLst>
+              <a:ext uri="{FF2B5EF4-FFF2-40B4-BE49-F238E27FC236}">
+                <a16:creationId xmlns:a16="http://schemas.microsoft.com/office/drawing/2014/main" id="{D838AD73-4A17-5E41-6C62-0A9DB439C489}"/>
+              </a:ext>
+            </a:extLst>
+          </p:cNvPr>
+          <p:cNvCxnSpPr>
+            <a:cxnSpLocks/>
+            <a:stCxn id="192" idx="0"/>
+          </p:cNvCxnSpPr>
+          <p:nvPr/>
+        </p:nvCxnSpPr>
+        <p:spPr>
+          <a:xfrm flipV="1">
+            <a:off x="5425613" y="3572855"/>
+            <a:ext cx="1723916" cy="297753"/>
+          </a:xfrm>
+          <a:prstGeom prst="line">
+            <a:avLst/>
+          </a:prstGeom>
+        </p:spPr>
+        <p:style>
+          <a:lnRef idx="2">
+            <a:schemeClr val="dk1"/>
+          </a:lnRef>
+          <a:fillRef idx="0">
+            <a:schemeClr val="dk1"/>
+          </a:fillRef>
+          <a:effectRef idx="1">
+            <a:schemeClr val="dk1"/>
+          </a:effectRef>
+          <a:fontRef idx="minor">
+            <a:schemeClr val="tx1"/>
+          </a:fontRef>
+        </p:style>
+      </p:cxnSp>
+      <p:cxnSp>
+        <p:nvCxnSpPr>
+          <p:cNvPr id="19" name="Straight Connector 18">
+            <a:extLst>
+              <a:ext uri="{FF2B5EF4-FFF2-40B4-BE49-F238E27FC236}">
+                <a16:creationId xmlns:a16="http://schemas.microsoft.com/office/drawing/2014/main" id="{334A6B1A-C46D-77EF-5D00-53CA731A0A26}"/>
+              </a:ext>
+            </a:extLst>
+          </p:cNvPr>
+          <p:cNvCxnSpPr>
+            <a:cxnSpLocks/>
+          </p:cNvCxnSpPr>
+          <p:nvPr/>
+        </p:nvCxnSpPr>
+        <p:spPr>
+          <a:xfrm flipH="1" flipV="1">
+            <a:off x="7688822" y="3567955"/>
+            <a:ext cx="1544630" cy="297753"/>
+          </a:xfrm>
+          <a:prstGeom prst="line">
+            <a:avLst/>
+          </a:prstGeom>
+        </p:spPr>
+        <p:style>
+          <a:lnRef idx="2">
+            <a:schemeClr val="dk1"/>
+          </a:lnRef>
+          <a:fillRef idx="0">
+            <a:schemeClr val="dk1"/>
+          </a:fillRef>
+          <a:effectRef idx="1">
+            <a:schemeClr val="dk1"/>
+          </a:effectRef>
+          <a:fontRef idx="minor">
+            <a:schemeClr val="tx1"/>
+          </a:fontRef>
+        </p:style>
+      </p:cxnSp>
     </p:spTree>
     <p:extLst>
       <p:ext uri="{BB962C8B-B14F-4D97-AF65-F5344CB8AC3E}">
